--- a/Documents/base de données.pptx
+++ b/Documents/base de données.pptx
@@ -105,6 +105,11 @@
       </a:defRPr>
     </a:lvl9pPr>
   </p:defaultTextStyle>
+  <p:extLst>
+    <p:ext uri="{EFAFB233-063F-42B5-8137-9DF3F51BA10A}">
+      <p15:sldGuideLst xmlns:p15="http://schemas.microsoft.com/office/powerpoint/2012/main"/>
+    </p:ext>
+  </p:extLst>
 </p:presentation>
 </file>
 
@@ -255,7 +260,7 @@
           <a:p>
             <a:fld id="{A9D8FF9A-B495-4C1D-BB5F-1FB9EE86129C}" type="datetimeFigureOut">
               <a:rPr lang="fr-FR" smtClean="0"/>
-              <a:t>07/02/2020</a:t>
+              <a:t>20/03/2020</a:t>
             </a:fld>
             <a:endParaRPr lang="fr-FR"/>
           </a:p>
@@ -453,7 +458,7 @@
           <a:p>
             <a:fld id="{A9D8FF9A-B495-4C1D-BB5F-1FB9EE86129C}" type="datetimeFigureOut">
               <a:rPr lang="fr-FR" smtClean="0"/>
-              <a:t>07/02/2020</a:t>
+              <a:t>20/03/2020</a:t>
             </a:fld>
             <a:endParaRPr lang="fr-FR"/>
           </a:p>
@@ -661,7 +666,7 @@
           <a:p>
             <a:fld id="{A9D8FF9A-B495-4C1D-BB5F-1FB9EE86129C}" type="datetimeFigureOut">
               <a:rPr lang="fr-FR" smtClean="0"/>
-              <a:t>07/02/2020</a:t>
+              <a:t>20/03/2020</a:t>
             </a:fld>
             <a:endParaRPr lang="fr-FR"/>
           </a:p>
@@ -859,7 +864,7 @@
           <a:p>
             <a:fld id="{A9D8FF9A-B495-4C1D-BB5F-1FB9EE86129C}" type="datetimeFigureOut">
               <a:rPr lang="fr-FR" smtClean="0"/>
-              <a:t>07/02/2020</a:t>
+              <a:t>20/03/2020</a:t>
             </a:fld>
             <a:endParaRPr lang="fr-FR"/>
           </a:p>
@@ -1134,7 +1139,7 @@
           <a:p>
             <a:fld id="{A9D8FF9A-B495-4C1D-BB5F-1FB9EE86129C}" type="datetimeFigureOut">
               <a:rPr lang="fr-FR" smtClean="0"/>
-              <a:t>07/02/2020</a:t>
+              <a:t>20/03/2020</a:t>
             </a:fld>
             <a:endParaRPr lang="fr-FR"/>
           </a:p>
@@ -1399,7 +1404,7 @@
           <a:p>
             <a:fld id="{A9D8FF9A-B495-4C1D-BB5F-1FB9EE86129C}" type="datetimeFigureOut">
               <a:rPr lang="fr-FR" smtClean="0"/>
-              <a:t>07/02/2020</a:t>
+              <a:t>20/03/2020</a:t>
             </a:fld>
             <a:endParaRPr lang="fr-FR"/>
           </a:p>
@@ -1811,7 +1816,7 @@
           <a:p>
             <a:fld id="{A9D8FF9A-B495-4C1D-BB5F-1FB9EE86129C}" type="datetimeFigureOut">
               <a:rPr lang="fr-FR" smtClean="0"/>
-              <a:t>07/02/2020</a:t>
+              <a:t>20/03/2020</a:t>
             </a:fld>
             <a:endParaRPr lang="fr-FR"/>
           </a:p>
@@ -1952,7 +1957,7 @@
           <a:p>
             <a:fld id="{A9D8FF9A-B495-4C1D-BB5F-1FB9EE86129C}" type="datetimeFigureOut">
               <a:rPr lang="fr-FR" smtClean="0"/>
-              <a:t>07/02/2020</a:t>
+              <a:t>20/03/2020</a:t>
             </a:fld>
             <a:endParaRPr lang="fr-FR"/>
           </a:p>
@@ -2065,7 +2070,7 @@
           <a:p>
             <a:fld id="{A9D8FF9A-B495-4C1D-BB5F-1FB9EE86129C}" type="datetimeFigureOut">
               <a:rPr lang="fr-FR" smtClean="0"/>
-              <a:t>07/02/2020</a:t>
+              <a:t>20/03/2020</a:t>
             </a:fld>
             <a:endParaRPr lang="fr-FR"/>
           </a:p>
@@ -2376,7 +2381,7 @@
           <a:p>
             <a:fld id="{A9D8FF9A-B495-4C1D-BB5F-1FB9EE86129C}" type="datetimeFigureOut">
               <a:rPr lang="fr-FR" smtClean="0"/>
-              <a:t>07/02/2020</a:t>
+              <a:t>20/03/2020</a:t>
             </a:fld>
             <a:endParaRPr lang="fr-FR"/>
           </a:p>
@@ -2664,7 +2669,7 @@
           <a:p>
             <a:fld id="{A9D8FF9A-B495-4C1D-BB5F-1FB9EE86129C}" type="datetimeFigureOut">
               <a:rPr lang="fr-FR" smtClean="0"/>
-              <a:t>07/02/2020</a:t>
+              <a:t>20/03/2020</a:t>
             </a:fld>
             <a:endParaRPr lang="fr-FR"/>
           </a:p>
@@ -2905,7 +2910,7 @@
           <a:p>
             <a:fld id="{A9D8FF9A-B495-4C1D-BB5F-1FB9EE86129C}" type="datetimeFigureOut">
               <a:rPr lang="fr-FR" smtClean="0"/>
-              <a:t>07/02/2020</a:t>
+              <a:t>20/03/2020</a:t>
             </a:fld>
             <a:endParaRPr lang="fr-FR"/>
           </a:p>
@@ -3336,7 +3341,7 @@
         </p:nvSpPr>
         <p:spPr>
           <a:xfrm>
-            <a:off x="8195755" y="52058"/>
+            <a:off x="10000408" y="74018"/>
             <a:ext cx="1879232" cy="2308324"/>
           </a:xfrm>
           <a:prstGeom prst="rect">
@@ -3427,7 +3432,7 @@
         </p:nvSpPr>
         <p:spPr>
           <a:xfrm>
-            <a:off x="3931870" y="2517768"/>
+            <a:off x="3701198" y="3663440"/>
             <a:ext cx="1347869" cy="923330"/>
           </a:xfrm>
           <a:prstGeom prst="rect">
@@ -3483,7 +3488,7 @@
         </p:nvSpPr>
         <p:spPr>
           <a:xfrm>
-            <a:off x="9797354" y="4602940"/>
+            <a:off x="10284777" y="5500855"/>
             <a:ext cx="1343125" cy="923330"/>
           </a:xfrm>
           <a:prstGeom prst="rect">
@@ -3539,7 +3544,7 @@
         </p:nvSpPr>
         <p:spPr>
           <a:xfrm>
-            <a:off x="4976407" y="5199093"/>
+            <a:off x="934287" y="5358891"/>
             <a:ext cx="1269386" cy="1200329"/>
           </a:xfrm>
           <a:prstGeom prst="rect">
@@ -3602,8 +3607,8 @@
         </p:nvSpPr>
         <p:spPr>
           <a:xfrm>
-            <a:off x="9358970" y="3058547"/>
-            <a:ext cx="1825563" cy="646331"/>
+            <a:off x="10386744" y="3948543"/>
+            <a:ext cx="1220592" cy="646331"/>
           </a:xfrm>
           <a:prstGeom prst="rect">
             <a:avLst/>
@@ -3623,7 +3628,7 @@
             <a:pPr algn="ctr"/>
             <a:r>
               <a:rPr lang="fr-FR" b="1" dirty="0"/>
-              <a:t>Membres groupe</a:t>
+              <a:t>Appartenir</a:t>
             </a:r>
           </a:p>
           <a:p>
@@ -3637,10 +3642,512 @@
       </p:sp>
       <p:sp>
         <p:nvSpPr>
-          <p:cNvPr id="9" name="ZoneTexte 8">
-            <a:extLst>
-              <a:ext uri="{FF2B5EF4-FFF2-40B4-BE49-F238E27FC236}">
-                <a16:creationId xmlns:a16="http://schemas.microsoft.com/office/drawing/2014/main" id="{2E2B3583-EB4E-4F0E-A4EE-19DA90F43CDE}"/>
+          <p:cNvPr id="3" name="Ellipse 2">
+            <a:extLst>
+              <a:ext uri="{FF2B5EF4-FFF2-40B4-BE49-F238E27FC236}">
+                <a16:creationId xmlns:a16="http://schemas.microsoft.com/office/drawing/2014/main" id="{C2C3E352-E8B6-4592-BA42-FF9D9F0D7B33}"/>
+              </a:ext>
+            </a:extLst>
+          </p:cNvPr>
+          <p:cNvSpPr/>
+          <p:nvPr/>
+        </p:nvSpPr>
+        <p:spPr>
+          <a:xfrm>
+            <a:off x="9904800" y="3788369"/>
+            <a:ext cx="2103080" cy="923330"/>
+          </a:xfrm>
+          <a:prstGeom prst="ellipse">
+            <a:avLst/>
+          </a:prstGeom>
+          <a:noFill/>
+        </p:spPr>
+        <p:style>
+          <a:lnRef idx="2">
+            <a:schemeClr val="accent1">
+              <a:shade val="50000"/>
+            </a:schemeClr>
+          </a:lnRef>
+          <a:fillRef idx="1">
+            <a:schemeClr val="accent1"/>
+          </a:fillRef>
+          <a:effectRef idx="0">
+            <a:schemeClr val="accent1"/>
+          </a:effectRef>
+          <a:fontRef idx="minor">
+            <a:schemeClr val="lt1"/>
+          </a:fontRef>
+        </p:style>
+        <p:txBody>
+          <a:bodyPr rtlCol="0" anchor="ctr"/>
+          <a:lstStyle/>
+          <a:p>
+            <a:pPr algn="ctr"/>
+            <a:endParaRPr lang="fr-FR"/>
+          </a:p>
+        </p:txBody>
+      </p:sp>
+      <p:grpSp>
+        <p:nvGrpSpPr>
+          <p:cNvPr id="134" name="Groupe 133">
+            <a:extLst>
+              <a:ext uri="{FF2B5EF4-FFF2-40B4-BE49-F238E27FC236}">
+                <a16:creationId xmlns:a16="http://schemas.microsoft.com/office/drawing/2014/main" id="{AB474CE8-069E-4F54-8F8B-6410DB39107D}"/>
+              </a:ext>
+            </a:extLst>
+          </p:cNvPr>
+          <p:cNvGrpSpPr/>
+          <p:nvPr/>
+        </p:nvGrpSpPr>
+        <p:grpSpPr>
+          <a:xfrm>
+            <a:off x="615070" y="1549167"/>
+            <a:ext cx="1964347" cy="680057"/>
+            <a:chOff x="686038" y="3704878"/>
+            <a:chExt cx="1964347" cy="680057"/>
+          </a:xfrm>
+        </p:grpSpPr>
+        <p:sp>
+          <p:nvSpPr>
+            <p:cNvPr id="34" name="ZoneTexte 33">
+              <a:extLst>
+                <a:ext uri="{FF2B5EF4-FFF2-40B4-BE49-F238E27FC236}">
+                  <a16:creationId xmlns:a16="http://schemas.microsoft.com/office/drawing/2014/main" id="{DACAE718-69E2-4E08-B6FC-75DBB5202F51}"/>
+                </a:ext>
+              </a:extLst>
+            </p:cNvPr>
+            <p:cNvSpPr txBox="1"/>
+            <p:nvPr/>
+          </p:nvSpPr>
+          <p:spPr>
+            <a:xfrm>
+              <a:off x="1308143" y="3877222"/>
+              <a:ext cx="728084" cy="369332"/>
+            </a:xfrm>
+            <a:prstGeom prst="rect">
+              <a:avLst/>
+            </a:prstGeom>
+            <a:noFill/>
+            <a:ln>
+              <a:noFill/>
+            </a:ln>
+          </p:spPr>
+          <p:txBody>
+            <a:bodyPr wrap="none" rtlCol="0">
+              <a:spAutoFit/>
+            </a:bodyPr>
+            <a:lstStyle/>
+            <a:p>
+              <a:pPr algn="ctr"/>
+              <a:r>
+                <a:rPr lang="fr-FR" b="1" dirty="0"/>
+                <a:t>A lieu</a:t>
+              </a:r>
+            </a:p>
+          </p:txBody>
+        </p:sp>
+        <p:sp>
+          <p:nvSpPr>
+            <p:cNvPr id="36" name="Ellipse 35">
+              <a:extLst>
+                <a:ext uri="{FF2B5EF4-FFF2-40B4-BE49-F238E27FC236}">
+                  <a16:creationId xmlns:a16="http://schemas.microsoft.com/office/drawing/2014/main" id="{7962DD9A-9675-4BCC-A1DF-D55D635824DF}"/>
+                </a:ext>
+              </a:extLst>
+            </p:cNvPr>
+            <p:cNvSpPr/>
+            <p:nvPr/>
+          </p:nvSpPr>
+          <p:spPr>
+            <a:xfrm>
+              <a:off x="686038" y="3704878"/>
+              <a:ext cx="1964347" cy="680057"/>
+            </a:xfrm>
+            <a:prstGeom prst="ellipse">
+              <a:avLst/>
+            </a:prstGeom>
+            <a:noFill/>
+          </p:spPr>
+          <p:style>
+            <a:lnRef idx="2">
+              <a:schemeClr val="accent1">
+                <a:shade val="50000"/>
+              </a:schemeClr>
+            </a:lnRef>
+            <a:fillRef idx="1">
+              <a:schemeClr val="accent1"/>
+            </a:fillRef>
+            <a:effectRef idx="0">
+              <a:schemeClr val="accent1"/>
+            </a:effectRef>
+            <a:fontRef idx="minor">
+              <a:schemeClr val="lt1"/>
+            </a:fontRef>
+          </p:style>
+          <p:txBody>
+            <a:bodyPr rtlCol="0" anchor="ctr"/>
+            <a:lstStyle/>
+            <a:p>
+              <a:pPr algn="ctr"/>
+              <a:endParaRPr lang="fr-FR"/>
+            </a:p>
+          </p:txBody>
+        </p:sp>
+      </p:grpSp>
+      <p:grpSp>
+        <p:nvGrpSpPr>
+          <p:cNvPr id="20" name="Groupe 19">
+            <a:extLst>
+              <a:ext uri="{FF2B5EF4-FFF2-40B4-BE49-F238E27FC236}">
+                <a16:creationId xmlns:a16="http://schemas.microsoft.com/office/drawing/2014/main" id="{7C2CB836-44F7-46BF-87E7-213EA87E1C89}"/>
+              </a:ext>
+            </a:extLst>
+          </p:cNvPr>
+          <p:cNvGrpSpPr/>
+          <p:nvPr/>
+        </p:nvGrpSpPr>
+        <p:grpSpPr>
+          <a:xfrm>
+            <a:off x="3368828" y="5601165"/>
+            <a:ext cx="2012610" cy="716215"/>
+            <a:chOff x="4465152" y="4121154"/>
+            <a:chExt cx="2012610" cy="716215"/>
+          </a:xfrm>
+        </p:grpSpPr>
+        <p:sp>
+          <p:nvSpPr>
+            <p:cNvPr id="11" name="ZoneTexte 10">
+              <a:extLst>
+                <a:ext uri="{FF2B5EF4-FFF2-40B4-BE49-F238E27FC236}">
+                  <a16:creationId xmlns:a16="http://schemas.microsoft.com/office/drawing/2014/main" id="{73F1EC49-5616-49A5-9DE1-D8573EABB402}"/>
+                </a:ext>
+              </a:extLst>
+            </p:cNvPr>
+            <p:cNvSpPr txBox="1"/>
+            <p:nvPr/>
+          </p:nvSpPr>
+          <p:spPr>
+            <a:xfrm>
+              <a:off x="4885688" y="4277970"/>
+              <a:ext cx="1171539" cy="369332"/>
+            </a:xfrm>
+            <a:prstGeom prst="rect">
+              <a:avLst/>
+            </a:prstGeom>
+            <a:noFill/>
+            <a:ln>
+              <a:noFill/>
+            </a:ln>
+          </p:spPr>
+          <p:txBody>
+            <a:bodyPr wrap="none" rtlCol="0">
+              <a:spAutoFit/>
+            </a:bodyPr>
+            <a:lstStyle/>
+            <a:p>
+              <a:pPr algn="ctr"/>
+              <a:r>
+                <a:rPr lang="fr-FR" b="1" dirty="0" err="1"/>
+                <a:t>DocsEvent</a:t>
+              </a:r>
+              <a:endParaRPr lang="fr-FR" b="1" dirty="0"/>
+            </a:p>
+          </p:txBody>
+        </p:sp>
+        <p:sp>
+          <p:nvSpPr>
+            <p:cNvPr id="38" name="Ellipse 37">
+              <a:extLst>
+                <a:ext uri="{FF2B5EF4-FFF2-40B4-BE49-F238E27FC236}">
+                  <a16:creationId xmlns:a16="http://schemas.microsoft.com/office/drawing/2014/main" id="{A7262EF3-0570-4E39-B63B-006B73664264}"/>
+                </a:ext>
+              </a:extLst>
+            </p:cNvPr>
+            <p:cNvSpPr/>
+            <p:nvPr/>
+          </p:nvSpPr>
+          <p:spPr>
+            <a:xfrm>
+              <a:off x="4465152" y="4121154"/>
+              <a:ext cx="2012610" cy="716215"/>
+            </a:xfrm>
+            <a:prstGeom prst="ellipse">
+              <a:avLst/>
+            </a:prstGeom>
+            <a:noFill/>
+          </p:spPr>
+          <p:style>
+            <a:lnRef idx="2">
+              <a:schemeClr val="accent1">
+                <a:shade val="50000"/>
+              </a:schemeClr>
+            </a:lnRef>
+            <a:fillRef idx="1">
+              <a:schemeClr val="accent1"/>
+            </a:fillRef>
+            <a:effectRef idx="0">
+              <a:schemeClr val="accent1"/>
+            </a:effectRef>
+            <a:fontRef idx="minor">
+              <a:schemeClr val="lt1"/>
+            </a:fontRef>
+          </p:style>
+          <p:txBody>
+            <a:bodyPr rtlCol="0" anchor="ctr"/>
+            <a:lstStyle/>
+            <a:p>
+              <a:pPr algn="ctr"/>
+              <a:endParaRPr lang="fr-FR"/>
+            </a:p>
+          </p:txBody>
+        </p:sp>
+      </p:grpSp>
+      <p:cxnSp>
+        <p:nvCxnSpPr>
+          <p:cNvPr id="48" name="Connecteur droit 47">
+            <a:extLst>
+              <a:ext uri="{FF2B5EF4-FFF2-40B4-BE49-F238E27FC236}">
+                <a16:creationId xmlns:a16="http://schemas.microsoft.com/office/drawing/2014/main" id="{33957AEB-EB2D-47EF-A178-58FE8A411112}"/>
+              </a:ext>
+            </a:extLst>
+          </p:cNvPr>
+          <p:cNvCxnSpPr>
+            <a:cxnSpLocks/>
+            <a:stCxn id="36" idx="4"/>
+            <a:endCxn id="5" idx="1"/>
+          </p:cNvCxnSpPr>
+          <p:nvPr/>
+        </p:nvCxnSpPr>
+        <p:spPr>
+          <a:xfrm>
+            <a:off x="1597244" y="2229224"/>
+            <a:ext cx="2103954" cy="1895881"/>
+          </a:xfrm>
+          <a:prstGeom prst="line">
+            <a:avLst/>
+          </a:prstGeom>
+        </p:spPr>
+        <p:style>
+          <a:lnRef idx="1">
+            <a:schemeClr val="accent1"/>
+          </a:lnRef>
+          <a:fillRef idx="0">
+            <a:schemeClr val="accent1"/>
+          </a:fillRef>
+          <a:effectRef idx="0">
+            <a:schemeClr val="accent1"/>
+          </a:effectRef>
+          <a:fontRef idx="minor">
+            <a:schemeClr val="tx1"/>
+          </a:fontRef>
+        </p:style>
+      </p:cxnSp>
+      <p:cxnSp>
+        <p:nvCxnSpPr>
+          <p:cNvPr id="51" name="Connecteur droit 50">
+            <a:extLst>
+              <a:ext uri="{FF2B5EF4-FFF2-40B4-BE49-F238E27FC236}">
+                <a16:creationId xmlns:a16="http://schemas.microsoft.com/office/drawing/2014/main" id="{3AEE878F-6F17-4406-942B-3C77C1FAF058}"/>
+              </a:ext>
+            </a:extLst>
+          </p:cNvPr>
+          <p:cNvCxnSpPr>
+            <a:cxnSpLocks/>
+            <a:stCxn id="43" idx="1"/>
+            <a:endCxn id="36" idx="7"/>
+          </p:cNvCxnSpPr>
+          <p:nvPr/>
+        </p:nvCxnSpPr>
+        <p:spPr>
+          <a:xfrm flipH="1">
+            <a:off x="2291745" y="810503"/>
+            <a:ext cx="1443544" cy="838256"/>
+          </a:xfrm>
+          <a:prstGeom prst="line">
+            <a:avLst/>
+          </a:prstGeom>
+        </p:spPr>
+        <p:style>
+          <a:lnRef idx="1">
+            <a:schemeClr val="accent1"/>
+          </a:lnRef>
+          <a:fillRef idx="0">
+            <a:schemeClr val="accent1"/>
+          </a:fillRef>
+          <a:effectRef idx="0">
+            <a:schemeClr val="accent1"/>
+          </a:effectRef>
+          <a:fontRef idx="minor">
+            <a:schemeClr val="tx1"/>
+          </a:fontRef>
+        </p:style>
+      </p:cxnSp>
+      <p:cxnSp>
+        <p:nvCxnSpPr>
+          <p:cNvPr id="55" name="Connecteur droit 54">
+            <a:extLst>
+              <a:ext uri="{FF2B5EF4-FFF2-40B4-BE49-F238E27FC236}">
+                <a16:creationId xmlns:a16="http://schemas.microsoft.com/office/drawing/2014/main" id="{F5D7F2C1-803A-438F-9B61-238E9381C2C7}"/>
+              </a:ext>
+            </a:extLst>
+          </p:cNvPr>
+          <p:cNvCxnSpPr>
+            <a:cxnSpLocks/>
+            <a:stCxn id="5" idx="2"/>
+            <a:endCxn id="38" idx="0"/>
+          </p:cNvCxnSpPr>
+          <p:nvPr/>
+        </p:nvCxnSpPr>
+        <p:spPr>
+          <a:xfrm>
+            <a:off x="4375133" y="4586770"/>
+            <a:ext cx="0" cy="1014395"/>
+          </a:xfrm>
+          <a:prstGeom prst="line">
+            <a:avLst/>
+          </a:prstGeom>
+        </p:spPr>
+        <p:style>
+          <a:lnRef idx="1">
+            <a:schemeClr val="accent1"/>
+          </a:lnRef>
+          <a:fillRef idx="0">
+            <a:schemeClr val="accent1"/>
+          </a:fillRef>
+          <a:effectRef idx="0">
+            <a:schemeClr val="accent1"/>
+          </a:effectRef>
+          <a:fontRef idx="minor">
+            <a:schemeClr val="tx1"/>
+          </a:fontRef>
+        </p:style>
+      </p:cxnSp>
+      <p:cxnSp>
+        <p:nvCxnSpPr>
+          <p:cNvPr id="58" name="Connecteur droit 57">
+            <a:extLst>
+              <a:ext uri="{FF2B5EF4-FFF2-40B4-BE49-F238E27FC236}">
+                <a16:creationId xmlns:a16="http://schemas.microsoft.com/office/drawing/2014/main" id="{DC15F8CA-0032-44E9-B921-5BFC46875F98}"/>
+              </a:ext>
+            </a:extLst>
+          </p:cNvPr>
+          <p:cNvCxnSpPr>
+            <a:cxnSpLocks/>
+            <a:stCxn id="7" idx="3"/>
+            <a:endCxn id="38" idx="2"/>
+          </p:cNvCxnSpPr>
+          <p:nvPr/>
+        </p:nvCxnSpPr>
+        <p:spPr>
+          <a:xfrm>
+            <a:off x="2203673" y="5959056"/>
+            <a:ext cx="1165155" cy="217"/>
+          </a:xfrm>
+          <a:prstGeom prst="line">
+            <a:avLst/>
+          </a:prstGeom>
+        </p:spPr>
+        <p:style>
+          <a:lnRef idx="1">
+            <a:schemeClr val="accent1"/>
+          </a:lnRef>
+          <a:fillRef idx="0">
+            <a:schemeClr val="accent1"/>
+          </a:fillRef>
+          <a:effectRef idx="0">
+            <a:schemeClr val="accent1"/>
+          </a:effectRef>
+          <a:fontRef idx="minor">
+            <a:schemeClr val="tx1"/>
+          </a:fontRef>
+        </p:style>
+      </p:cxnSp>
+      <p:cxnSp>
+        <p:nvCxnSpPr>
+          <p:cNvPr id="61" name="Connecteur droit 60">
+            <a:extLst>
+              <a:ext uri="{FF2B5EF4-FFF2-40B4-BE49-F238E27FC236}">
+                <a16:creationId xmlns:a16="http://schemas.microsoft.com/office/drawing/2014/main" id="{F6135EC5-C09D-4654-AD1D-3139D8DA36A5}"/>
+              </a:ext>
+            </a:extLst>
+          </p:cNvPr>
+          <p:cNvCxnSpPr>
+            <a:cxnSpLocks/>
+            <a:stCxn id="3" idx="0"/>
+            <a:endCxn id="4" idx="2"/>
+          </p:cNvCxnSpPr>
+          <p:nvPr/>
+        </p:nvCxnSpPr>
+        <p:spPr>
+          <a:xfrm flipH="1" flipV="1">
+            <a:off x="10940024" y="2382342"/>
+            <a:ext cx="16316" cy="1406027"/>
+          </a:xfrm>
+          <a:prstGeom prst="line">
+            <a:avLst/>
+          </a:prstGeom>
+        </p:spPr>
+        <p:style>
+          <a:lnRef idx="1">
+            <a:schemeClr val="accent1"/>
+          </a:lnRef>
+          <a:fillRef idx="0">
+            <a:schemeClr val="accent1"/>
+          </a:fillRef>
+          <a:effectRef idx="0">
+            <a:schemeClr val="accent1"/>
+          </a:effectRef>
+          <a:fontRef idx="minor">
+            <a:schemeClr val="tx1"/>
+          </a:fontRef>
+        </p:style>
+      </p:cxnSp>
+      <p:cxnSp>
+        <p:nvCxnSpPr>
+          <p:cNvPr id="64" name="Connecteur droit 63">
+            <a:extLst>
+              <a:ext uri="{FF2B5EF4-FFF2-40B4-BE49-F238E27FC236}">
+                <a16:creationId xmlns:a16="http://schemas.microsoft.com/office/drawing/2014/main" id="{25B248FF-E3F9-4650-A3BA-2B76AECB2DD3}"/>
+              </a:ext>
+            </a:extLst>
+          </p:cNvPr>
+          <p:cNvCxnSpPr>
+            <a:cxnSpLocks/>
+            <a:stCxn id="6" idx="0"/>
+            <a:endCxn id="3" idx="4"/>
+          </p:cNvCxnSpPr>
+          <p:nvPr/>
+        </p:nvCxnSpPr>
+        <p:spPr>
+          <a:xfrm flipV="1">
+            <a:off x="10956340" y="4711699"/>
+            <a:ext cx="0" cy="789156"/>
+          </a:xfrm>
+          <a:prstGeom prst="line">
+            <a:avLst/>
+          </a:prstGeom>
+        </p:spPr>
+        <p:style>
+          <a:lnRef idx="1">
+            <a:schemeClr val="accent1"/>
+          </a:lnRef>
+          <a:fillRef idx="0">
+            <a:schemeClr val="accent1"/>
+          </a:fillRef>
+          <a:effectRef idx="0">
+            <a:schemeClr val="accent1"/>
+          </a:effectRef>
+          <a:fontRef idx="minor">
+            <a:schemeClr val="tx1"/>
+          </a:fontRef>
+        </p:style>
+      </p:cxnSp>
+      <p:sp>
+        <p:nvSpPr>
+          <p:cNvPr id="68" name="ZoneTexte 67">
+            <a:extLst>
+              <a:ext uri="{FF2B5EF4-FFF2-40B4-BE49-F238E27FC236}">
+                <a16:creationId xmlns:a16="http://schemas.microsoft.com/office/drawing/2014/main" id="{49E44F99-CDDA-45BD-8CB9-012C036D8400}"/>
               </a:ext>
             </a:extLst>
           </p:cNvPr>
@@ -3649,8 +4156,326 @@
         </p:nvSpPr>
         <p:spPr>
           <a:xfrm>
-            <a:off x="316073" y="567369"/>
-            <a:ext cx="1236429" cy="1200329"/>
+            <a:off x="3258877" y="463711"/>
+            <a:ext cx="476412" cy="369332"/>
+          </a:xfrm>
+          <a:prstGeom prst="rect">
+            <a:avLst/>
+          </a:prstGeom>
+          <a:noFill/>
+        </p:spPr>
+        <p:txBody>
+          <a:bodyPr wrap="none" rtlCol="0">
+            <a:spAutoFit/>
+          </a:bodyPr>
+          <a:lstStyle/>
+          <a:p>
+            <a:r>
+              <a:rPr lang="fr-FR" dirty="0"/>
+              <a:t>0,1</a:t>
+            </a:r>
+          </a:p>
+        </p:txBody>
+      </p:sp>
+      <p:sp>
+        <p:nvSpPr>
+          <p:cNvPr id="70" name="ZoneTexte 69">
+            <a:extLst>
+              <a:ext uri="{FF2B5EF4-FFF2-40B4-BE49-F238E27FC236}">
+                <a16:creationId xmlns:a16="http://schemas.microsoft.com/office/drawing/2014/main" id="{6DA1A2B9-0549-4EFF-8C18-B5F952CE7E05}"/>
+              </a:ext>
+            </a:extLst>
+          </p:cNvPr>
+          <p:cNvSpPr txBox="1"/>
+          <p:nvPr/>
+        </p:nvSpPr>
+        <p:spPr>
+          <a:xfrm>
+            <a:off x="3233180" y="4135702"/>
+            <a:ext cx="476412" cy="369332"/>
+          </a:xfrm>
+          <a:prstGeom prst="rect">
+            <a:avLst/>
+          </a:prstGeom>
+          <a:noFill/>
+        </p:spPr>
+        <p:txBody>
+          <a:bodyPr wrap="none" rtlCol="0">
+            <a:spAutoFit/>
+          </a:bodyPr>
+          <a:lstStyle/>
+          <a:p>
+            <a:r>
+              <a:rPr lang="fr-FR" dirty="0"/>
+              <a:t>0,1</a:t>
+            </a:r>
+          </a:p>
+        </p:txBody>
+      </p:sp>
+      <p:sp>
+        <p:nvSpPr>
+          <p:cNvPr id="72" name="ZoneTexte 71">
+            <a:extLst>
+              <a:ext uri="{FF2B5EF4-FFF2-40B4-BE49-F238E27FC236}">
+                <a16:creationId xmlns:a16="http://schemas.microsoft.com/office/drawing/2014/main" id="{81439377-7121-46EA-A3C4-D220CCF3FA95}"/>
+              </a:ext>
+            </a:extLst>
+          </p:cNvPr>
+          <p:cNvSpPr txBox="1"/>
+          <p:nvPr/>
+        </p:nvSpPr>
+        <p:spPr>
+          <a:xfrm>
+            <a:off x="2287200" y="6185426"/>
+            <a:ext cx="508473" cy="369332"/>
+          </a:xfrm>
+          <a:prstGeom prst="rect">
+            <a:avLst/>
+          </a:prstGeom>
+          <a:noFill/>
+        </p:spPr>
+        <p:txBody>
+          <a:bodyPr wrap="square" rtlCol="0">
+            <a:spAutoFit/>
+          </a:bodyPr>
+          <a:lstStyle/>
+          <a:p>
+            <a:r>
+              <a:rPr lang="fr-FR" dirty="0"/>
+              <a:t>0,N</a:t>
+            </a:r>
+          </a:p>
+        </p:txBody>
+      </p:sp>
+      <p:sp>
+        <p:nvSpPr>
+          <p:cNvPr id="73" name="ZoneTexte 72">
+            <a:extLst>
+              <a:ext uri="{FF2B5EF4-FFF2-40B4-BE49-F238E27FC236}">
+                <a16:creationId xmlns:a16="http://schemas.microsoft.com/office/drawing/2014/main" id="{D25E9F5F-9EE9-440A-A9BD-D70E591A18D6}"/>
+              </a:ext>
+            </a:extLst>
+          </p:cNvPr>
+          <p:cNvSpPr txBox="1"/>
+          <p:nvPr/>
+        </p:nvSpPr>
+        <p:spPr>
+          <a:xfrm>
+            <a:off x="3955275" y="4582966"/>
+            <a:ext cx="508473" cy="369332"/>
+          </a:xfrm>
+          <a:prstGeom prst="rect">
+            <a:avLst/>
+          </a:prstGeom>
+          <a:noFill/>
+        </p:spPr>
+        <p:txBody>
+          <a:bodyPr wrap="none" rtlCol="0">
+            <a:spAutoFit/>
+          </a:bodyPr>
+          <a:lstStyle/>
+          <a:p>
+            <a:r>
+              <a:rPr lang="fr-FR" dirty="0"/>
+              <a:t>0,N</a:t>
+            </a:r>
+          </a:p>
+        </p:txBody>
+      </p:sp>
+      <p:sp>
+        <p:nvSpPr>
+          <p:cNvPr id="74" name="ZoneTexte 73">
+            <a:extLst>
+              <a:ext uri="{FF2B5EF4-FFF2-40B4-BE49-F238E27FC236}">
+                <a16:creationId xmlns:a16="http://schemas.microsoft.com/office/drawing/2014/main" id="{696CD082-FDFC-4FB6-BE1B-BD202FFF0EF3}"/>
+              </a:ext>
+            </a:extLst>
+          </p:cNvPr>
+          <p:cNvSpPr txBox="1"/>
+          <p:nvPr/>
+        </p:nvSpPr>
+        <p:spPr>
+          <a:xfrm>
+            <a:off x="10129514" y="2360382"/>
+            <a:ext cx="508473" cy="369332"/>
+          </a:xfrm>
+          <a:prstGeom prst="rect">
+            <a:avLst/>
+          </a:prstGeom>
+          <a:noFill/>
+        </p:spPr>
+        <p:txBody>
+          <a:bodyPr wrap="none" rtlCol="0">
+            <a:spAutoFit/>
+          </a:bodyPr>
+          <a:lstStyle/>
+          <a:p>
+            <a:r>
+              <a:rPr lang="fr-FR" dirty="0"/>
+              <a:t>0,N</a:t>
+            </a:r>
+          </a:p>
+        </p:txBody>
+      </p:sp>
+      <p:sp>
+        <p:nvSpPr>
+          <p:cNvPr id="75" name="ZoneTexte 74">
+            <a:extLst>
+              <a:ext uri="{FF2B5EF4-FFF2-40B4-BE49-F238E27FC236}">
+                <a16:creationId xmlns:a16="http://schemas.microsoft.com/office/drawing/2014/main" id="{F3998536-5D30-42AB-9202-C1B9991EED5A}"/>
+              </a:ext>
+            </a:extLst>
+          </p:cNvPr>
+          <p:cNvSpPr txBox="1"/>
+          <p:nvPr/>
+        </p:nvSpPr>
+        <p:spPr>
+          <a:xfrm>
+            <a:off x="9344574" y="1228180"/>
+            <a:ext cx="508473" cy="369332"/>
+          </a:xfrm>
+          <a:prstGeom prst="rect">
+            <a:avLst/>
+          </a:prstGeom>
+          <a:noFill/>
+        </p:spPr>
+        <p:txBody>
+          <a:bodyPr wrap="none" rtlCol="0">
+            <a:spAutoFit/>
+          </a:bodyPr>
+          <a:lstStyle/>
+          <a:p>
+            <a:r>
+              <a:rPr lang="fr-FR" dirty="0"/>
+              <a:t>0,N</a:t>
+            </a:r>
+          </a:p>
+        </p:txBody>
+      </p:sp>
+      <p:sp>
+        <p:nvSpPr>
+          <p:cNvPr id="76" name="ZoneTexte 75">
+            <a:extLst>
+              <a:ext uri="{FF2B5EF4-FFF2-40B4-BE49-F238E27FC236}">
+                <a16:creationId xmlns:a16="http://schemas.microsoft.com/office/drawing/2014/main" id="{09B8F223-74CB-4350-BE4B-3486EB43EEBA}"/>
+              </a:ext>
+            </a:extLst>
+          </p:cNvPr>
+          <p:cNvSpPr txBox="1"/>
+          <p:nvPr/>
+        </p:nvSpPr>
+        <p:spPr>
+          <a:xfrm>
+            <a:off x="11066549" y="5093967"/>
+            <a:ext cx="508473" cy="369332"/>
+          </a:xfrm>
+          <a:prstGeom prst="rect">
+            <a:avLst/>
+          </a:prstGeom>
+          <a:noFill/>
+        </p:spPr>
+        <p:txBody>
+          <a:bodyPr wrap="none" rtlCol="0">
+            <a:spAutoFit/>
+          </a:bodyPr>
+          <a:lstStyle/>
+          <a:p>
+            <a:r>
+              <a:rPr lang="fr-FR" dirty="0"/>
+              <a:t>0,N</a:t>
+            </a:r>
+          </a:p>
+        </p:txBody>
+      </p:sp>
+      <p:cxnSp>
+        <p:nvCxnSpPr>
+          <p:cNvPr id="121" name="Connecteur droit 120">
+            <a:extLst>
+              <a:ext uri="{FF2B5EF4-FFF2-40B4-BE49-F238E27FC236}">
+                <a16:creationId xmlns:a16="http://schemas.microsoft.com/office/drawing/2014/main" id="{1B55A31B-003F-4538-9285-C224FF0C5CC9}"/>
+              </a:ext>
+            </a:extLst>
+          </p:cNvPr>
+          <p:cNvCxnSpPr>
+            <a:cxnSpLocks/>
+          </p:cNvCxnSpPr>
+          <p:nvPr/>
+        </p:nvCxnSpPr>
+        <p:spPr>
+          <a:xfrm flipV="1">
+            <a:off x="4280823" y="2904365"/>
+            <a:ext cx="0" cy="759075"/>
+          </a:xfrm>
+          <a:prstGeom prst="line">
+            <a:avLst/>
+          </a:prstGeom>
+        </p:spPr>
+        <p:style>
+          <a:lnRef idx="1">
+            <a:schemeClr val="accent1"/>
+          </a:lnRef>
+          <a:fillRef idx="0">
+            <a:schemeClr val="accent1"/>
+          </a:fillRef>
+          <a:effectRef idx="0">
+            <a:schemeClr val="accent1"/>
+          </a:effectRef>
+          <a:fontRef idx="minor">
+            <a:schemeClr val="tx1"/>
+          </a:fontRef>
+        </p:style>
+      </p:cxnSp>
+      <p:sp>
+        <p:nvSpPr>
+          <p:cNvPr id="124" name="ZoneTexte 123">
+            <a:extLst>
+              <a:ext uri="{FF2B5EF4-FFF2-40B4-BE49-F238E27FC236}">
+                <a16:creationId xmlns:a16="http://schemas.microsoft.com/office/drawing/2014/main" id="{E51C9555-A922-4C9D-848F-218BDC1331F7}"/>
+              </a:ext>
+            </a:extLst>
+          </p:cNvPr>
+          <p:cNvSpPr txBox="1"/>
+          <p:nvPr/>
+        </p:nvSpPr>
+        <p:spPr>
+          <a:xfrm>
+            <a:off x="4376929" y="3321958"/>
+            <a:ext cx="508473" cy="369332"/>
+          </a:xfrm>
+          <a:prstGeom prst="rect">
+            <a:avLst/>
+          </a:prstGeom>
+          <a:noFill/>
+        </p:spPr>
+        <p:txBody>
+          <a:bodyPr wrap="none" rtlCol="0">
+            <a:spAutoFit/>
+          </a:bodyPr>
+          <a:lstStyle/>
+          <a:p>
+            <a:r>
+              <a:rPr lang="fr-FR" dirty="0"/>
+              <a:t>0,N</a:t>
+            </a:r>
+          </a:p>
+        </p:txBody>
+      </p:sp>
+      <p:sp>
+        <p:nvSpPr>
+          <p:cNvPr id="43" name="ZoneTexte 42">
+            <a:extLst>
+              <a:ext uri="{FF2B5EF4-FFF2-40B4-BE49-F238E27FC236}">
+                <a16:creationId xmlns:a16="http://schemas.microsoft.com/office/drawing/2014/main" id="{B9A61A45-8A05-4409-8F68-86DD16086213}"/>
+              </a:ext>
+            </a:extLst>
+          </p:cNvPr>
+          <p:cNvSpPr txBox="1"/>
+          <p:nvPr/>
+        </p:nvSpPr>
+        <p:spPr>
+          <a:xfrm>
+            <a:off x="3735289" y="71839"/>
+            <a:ext cx="1091068" cy="1477328"/>
           </a:xfrm>
           <a:prstGeom prst="rect">
             <a:avLst/>
@@ -3671,14 +4496,14 @@
             <a:pPr algn="ctr"/>
             <a:r>
               <a:rPr lang="fr-FR" b="1" dirty="0"/>
-              <a:t>Dates</a:t>
+              <a:t>Sondages</a:t>
             </a:r>
           </a:p>
           <a:p>
             <a:pPr algn="ctr"/>
             <a:r>
               <a:rPr lang="fr-FR" u="sng" dirty="0" err="1"/>
-              <a:t>NumDates</a:t>
+              <a:t>numSond</a:t>
             </a:r>
             <a:endParaRPr lang="fr-FR" u="sng" dirty="0"/>
           </a:p>
@@ -3686,24 +4511,33 @@
             <a:pPr algn="ctr"/>
             <a:r>
               <a:rPr lang="fr-FR" dirty="0"/>
-              <a:t>Date début</a:t>
-            </a:r>
-          </a:p>
-          <a:p>
-            <a:pPr algn="ctr"/>
-            <a:r>
-              <a:rPr lang="fr-FR" dirty="0"/>
-              <a:t>Date fin</a:t>
-            </a:r>
-          </a:p>
-        </p:txBody>
-      </p:sp>
-      <p:sp>
-        <p:nvSpPr>
-          <p:cNvPr id="10" name="ZoneTexte 9">
-            <a:extLst>
-              <a:ext uri="{FF2B5EF4-FFF2-40B4-BE49-F238E27FC236}">
-                <a16:creationId xmlns:a16="http://schemas.microsoft.com/office/drawing/2014/main" id="{2D4C916A-1637-40ED-9C23-66974A8F6A13}"/>
+              <a:t>date</a:t>
+            </a:r>
+          </a:p>
+          <a:p>
+            <a:pPr algn="ctr"/>
+            <a:r>
+              <a:rPr lang="fr-FR" dirty="0" err="1"/>
+              <a:t>heureD</a:t>
+            </a:r>
+            <a:endParaRPr lang="fr-FR" dirty="0"/>
+          </a:p>
+          <a:p>
+            <a:pPr algn="ctr"/>
+            <a:r>
+              <a:rPr lang="fr-FR" dirty="0" err="1"/>
+              <a:t>heureF</a:t>
+            </a:r>
+            <a:endParaRPr lang="fr-FR" u="sng" dirty="0"/>
+          </a:p>
+        </p:txBody>
+      </p:sp>
+      <p:sp>
+        <p:nvSpPr>
+          <p:cNvPr id="44" name="ZoneTexte 43">
+            <a:extLst>
+              <a:ext uri="{FF2B5EF4-FFF2-40B4-BE49-F238E27FC236}">
+                <a16:creationId xmlns:a16="http://schemas.microsoft.com/office/drawing/2014/main" id="{75296DBE-45A6-4B64-8160-462ECDD34DCF}"/>
               </a:ext>
             </a:extLst>
           </p:cNvPr>
@@ -3712,19 +4546,21 @@
         </p:nvSpPr>
         <p:spPr>
           <a:xfrm>
-            <a:off x="3579167" y="289479"/>
-            <a:ext cx="1091069" cy="646331"/>
+            <a:off x="6656537" y="1757670"/>
+            <a:ext cx="1527245" cy="923330"/>
           </a:xfrm>
           <a:prstGeom prst="rect">
             <a:avLst/>
           </a:prstGeom>
           <a:noFill/>
           <a:ln>
-            <a:noFill/>
+            <a:solidFill>
+              <a:schemeClr val="tx1"/>
+            </a:solidFill>
           </a:ln>
         </p:spPr>
         <p:txBody>
-          <a:bodyPr wrap="none" rtlCol="0">
+          <a:bodyPr wrap="square" rtlCol="0">
             <a:spAutoFit/>
           </a:bodyPr>
           <a:lstStyle/>
@@ -3732,116 +4568,32 @@
             <a:pPr algn="ctr"/>
             <a:r>
               <a:rPr lang="fr-FR" b="1" dirty="0"/>
-              <a:t>Sondages</a:t>
-            </a:r>
+              <a:t>Participants</a:t>
+            </a:r>
+          </a:p>
+          <a:p>
+            <a:pPr algn="ctr"/>
+            <a:r>
+              <a:rPr lang="fr-FR" u="sng" dirty="0" err="1"/>
+              <a:t>numPart</a:t>
+            </a:r>
+            <a:endParaRPr lang="fr-FR" u="sng" dirty="0"/>
           </a:p>
           <a:p>
             <a:pPr algn="ctr"/>
             <a:r>
               <a:rPr lang="fr-FR" dirty="0"/>
-              <a:t>Réponse</a:t>
-            </a:r>
-          </a:p>
-        </p:txBody>
-      </p:sp>
-      <p:sp>
-        <p:nvSpPr>
-          <p:cNvPr id="11" name="ZoneTexte 10">
-            <a:extLst>
-              <a:ext uri="{FF2B5EF4-FFF2-40B4-BE49-F238E27FC236}">
-                <a16:creationId xmlns:a16="http://schemas.microsoft.com/office/drawing/2014/main" id="{73F1EC49-5616-49A5-9DE1-D8573EABB402}"/>
-              </a:ext>
-            </a:extLst>
-          </p:cNvPr>
-          <p:cNvSpPr txBox="1"/>
-          <p:nvPr/>
-        </p:nvSpPr>
-        <p:spPr>
-          <a:xfrm>
-            <a:off x="4500615" y="4277970"/>
-            <a:ext cx="1941685" cy="369332"/>
-          </a:xfrm>
-          <a:prstGeom prst="rect">
-            <a:avLst/>
-          </a:prstGeom>
-          <a:noFill/>
-          <a:ln>
-            <a:noFill/>
-          </a:ln>
-        </p:spPr>
-        <p:txBody>
-          <a:bodyPr wrap="none" rtlCol="0">
-            <a:spAutoFit/>
-          </a:bodyPr>
-          <a:lstStyle/>
-          <a:p>
-            <a:pPr algn="ctr"/>
-            <a:r>
-              <a:rPr lang="fr-FR" b="1" dirty="0"/>
-              <a:t>Docs d’évènement</a:t>
-            </a:r>
-          </a:p>
-        </p:txBody>
-      </p:sp>
-      <p:sp>
-        <p:nvSpPr>
-          <p:cNvPr id="14" name="ZoneTexte 13">
-            <a:extLst>
-              <a:ext uri="{FF2B5EF4-FFF2-40B4-BE49-F238E27FC236}">
-                <a16:creationId xmlns:a16="http://schemas.microsoft.com/office/drawing/2014/main" id="{0464AF0F-6B47-4757-9B35-868DD420D1D4}"/>
-              </a:ext>
-            </a:extLst>
-          </p:cNvPr>
-          <p:cNvSpPr txBox="1"/>
-          <p:nvPr/>
-        </p:nvSpPr>
-        <p:spPr>
-          <a:xfrm>
-            <a:off x="6096539" y="2179462"/>
-            <a:ext cx="1373454" cy="923330"/>
-          </a:xfrm>
-          <a:prstGeom prst="rect">
-            <a:avLst/>
-          </a:prstGeom>
-          <a:noFill/>
-          <a:ln>
-            <a:noFill/>
-          </a:ln>
-        </p:spPr>
-        <p:txBody>
-          <a:bodyPr wrap="none" rtlCol="0">
-            <a:spAutoFit/>
-          </a:bodyPr>
-          <a:lstStyle/>
-          <a:p>
-            <a:pPr algn="ctr"/>
-            <a:r>
-              <a:rPr lang="fr-FR" b="1" dirty="0"/>
-              <a:t>Participants</a:t>
-            </a:r>
-          </a:p>
-          <a:p>
-            <a:pPr algn="ctr"/>
-            <a:r>
-              <a:rPr lang="fr-FR" dirty="0"/>
-              <a:t>Statut</a:t>
-            </a:r>
-          </a:p>
-          <a:p>
-            <a:pPr algn="ctr"/>
-            <a:r>
-              <a:rPr lang="fr-FR" dirty="0"/>
-              <a:t>Participation</a:t>
-            </a:r>
-          </a:p>
-        </p:txBody>
-      </p:sp>
-      <p:sp>
-        <p:nvSpPr>
-          <p:cNvPr id="3" name="Ellipse 2">
-            <a:extLst>
-              <a:ext uri="{FF2B5EF4-FFF2-40B4-BE49-F238E27FC236}">
-                <a16:creationId xmlns:a16="http://schemas.microsoft.com/office/drawing/2014/main" id="{C2C3E352-E8B6-4592-BA42-FF9D9F0D7B33}"/>
+              <a:t>statut</a:t>
+            </a:r>
+          </a:p>
+        </p:txBody>
+      </p:sp>
+      <p:sp>
+        <p:nvSpPr>
+          <p:cNvPr id="77" name="Ellipse 76">
+            <a:extLst>
+              <a:ext uri="{FF2B5EF4-FFF2-40B4-BE49-F238E27FC236}">
+                <a16:creationId xmlns:a16="http://schemas.microsoft.com/office/drawing/2014/main" id="{223A1E7B-D003-49EF-B588-3881A48E587D}"/>
               </a:ext>
             </a:extLst>
           </p:cNvPr>
@@ -3850,8 +4602,8 @@
         </p:nvSpPr>
         <p:spPr>
           <a:xfrm>
-            <a:off x="9179512" y="2898373"/>
-            <a:ext cx="2103080" cy="923330"/>
+            <a:off x="3581089" y="2178611"/>
+            <a:ext cx="1408961" cy="738037"/>
           </a:xfrm>
           <a:prstGeom prst="ellipse">
             <a:avLst/>
@@ -3883,12 +4635,52 @@
           </a:p>
         </p:txBody>
       </p:sp>
-      <p:sp>
-        <p:nvSpPr>
-          <p:cNvPr id="33" name="Ellipse 32">
-            <a:extLst>
-              <a:ext uri="{FF2B5EF4-FFF2-40B4-BE49-F238E27FC236}">
-                <a16:creationId xmlns:a16="http://schemas.microsoft.com/office/drawing/2014/main" id="{9C102718-700D-4AA2-9387-EEFAA335CADE}"/>
+      <p:cxnSp>
+        <p:nvCxnSpPr>
+          <p:cNvPr id="78" name="Connecteur droit 77">
+            <a:extLst>
+              <a:ext uri="{FF2B5EF4-FFF2-40B4-BE49-F238E27FC236}">
+                <a16:creationId xmlns:a16="http://schemas.microsoft.com/office/drawing/2014/main" id="{D13F935A-B887-4806-B398-1093142CAB85}"/>
+              </a:ext>
+            </a:extLst>
+          </p:cNvPr>
+          <p:cNvCxnSpPr>
+            <a:cxnSpLocks/>
+            <a:stCxn id="77" idx="0"/>
+            <a:endCxn id="43" idx="2"/>
+          </p:cNvCxnSpPr>
+          <p:nvPr/>
+        </p:nvCxnSpPr>
+        <p:spPr>
+          <a:xfrm flipH="1" flipV="1">
+            <a:off x="4280823" y="1549167"/>
+            <a:ext cx="4747" cy="629444"/>
+          </a:xfrm>
+          <a:prstGeom prst="line">
+            <a:avLst/>
+          </a:prstGeom>
+        </p:spPr>
+        <p:style>
+          <a:lnRef idx="1">
+            <a:schemeClr val="accent1"/>
+          </a:lnRef>
+          <a:fillRef idx="0">
+            <a:schemeClr val="accent1"/>
+          </a:fillRef>
+          <a:effectRef idx="0">
+            <a:schemeClr val="accent1"/>
+          </a:effectRef>
+          <a:fontRef idx="minor">
+            <a:schemeClr val="tx1"/>
+          </a:fontRef>
+        </p:style>
+      </p:cxnSp>
+      <p:sp>
+        <p:nvSpPr>
+          <p:cNvPr id="79" name="Ellipse 78">
+            <a:extLst>
+              <a:ext uri="{FF2B5EF4-FFF2-40B4-BE49-F238E27FC236}">
+                <a16:creationId xmlns:a16="http://schemas.microsoft.com/office/drawing/2014/main" id="{F6239E2C-A59B-41A9-B625-AD2853F18FC5}"/>
               </a:ext>
             </a:extLst>
           </p:cNvPr>
@@ -3897,8 +4689,8 @@
         </p:nvSpPr>
         <p:spPr>
           <a:xfrm>
-            <a:off x="3320511" y="251020"/>
-            <a:ext cx="1553617" cy="779510"/>
+            <a:off x="6708902" y="441484"/>
+            <a:ext cx="1408961" cy="738037"/>
           </a:xfrm>
           <a:prstGeom prst="ellipse">
             <a:avLst/>
@@ -3930,211 +4722,26 @@
           </a:p>
         </p:txBody>
       </p:sp>
-      <p:sp>
-        <p:nvSpPr>
-          <p:cNvPr id="34" name="ZoneTexte 33">
-            <a:extLst>
-              <a:ext uri="{FF2B5EF4-FFF2-40B4-BE49-F238E27FC236}">
-                <a16:creationId xmlns:a16="http://schemas.microsoft.com/office/drawing/2014/main" id="{DACAE718-69E2-4E08-B6FC-75DBB5202F51}"/>
-              </a:ext>
-            </a:extLst>
-          </p:cNvPr>
-          <p:cNvSpPr txBox="1"/>
-          <p:nvPr/>
-        </p:nvSpPr>
-        <p:spPr>
-          <a:xfrm>
-            <a:off x="1309495" y="2620099"/>
-            <a:ext cx="1767728" cy="369332"/>
-          </a:xfrm>
-          <a:prstGeom prst="rect">
-            <a:avLst/>
-          </a:prstGeom>
-          <a:noFill/>
-          <a:ln>
-            <a:noFill/>
-          </a:ln>
-        </p:spPr>
-        <p:txBody>
-          <a:bodyPr wrap="none" rtlCol="0">
-            <a:spAutoFit/>
-          </a:bodyPr>
-          <a:lstStyle/>
-          <a:p>
-            <a:pPr algn="ctr"/>
-            <a:r>
-              <a:rPr lang="fr-FR" b="1" dirty="0"/>
-              <a:t>Date </a:t>
-            </a:r>
-            <a:r>
-              <a:rPr lang="fr-FR" b="1" dirty="0" err="1"/>
-              <a:t>evenement</a:t>
-            </a:r>
-            <a:endParaRPr lang="fr-FR" b="1" dirty="0"/>
-          </a:p>
-        </p:txBody>
-      </p:sp>
-      <p:sp>
-        <p:nvSpPr>
-          <p:cNvPr id="36" name="Ellipse 35">
-            <a:extLst>
-              <a:ext uri="{FF2B5EF4-FFF2-40B4-BE49-F238E27FC236}">
-                <a16:creationId xmlns:a16="http://schemas.microsoft.com/office/drawing/2014/main" id="{7962DD9A-9675-4BCC-A1DF-D55D635824DF}"/>
-              </a:ext>
-            </a:extLst>
-          </p:cNvPr>
-          <p:cNvSpPr/>
-          <p:nvPr/>
-        </p:nvSpPr>
-        <p:spPr>
-          <a:xfrm>
-            <a:off x="1207213" y="2447755"/>
-            <a:ext cx="1964347" cy="680057"/>
-          </a:xfrm>
-          <a:prstGeom prst="ellipse">
-            <a:avLst/>
-          </a:prstGeom>
-          <a:noFill/>
-        </p:spPr>
-        <p:style>
-          <a:lnRef idx="2">
-            <a:schemeClr val="accent1">
-              <a:shade val="50000"/>
-            </a:schemeClr>
-          </a:lnRef>
-          <a:fillRef idx="1">
-            <a:schemeClr val="accent1"/>
-          </a:fillRef>
-          <a:effectRef idx="0">
-            <a:schemeClr val="accent1"/>
-          </a:effectRef>
-          <a:fontRef idx="minor">
-            <a:schemeClr val="lt1"/>
-          </a:fontRef>
-        </p:style>
-        <p:txBody>
-          <a:bodyPr rtlCol="0" anchor="ctr"/>
-          <a:lstStyle/>
-          <a:p>
-            <a:pPr algn="ctr"/>
-            <a:endParaRPr lang="fr-FR"/>
-          </a:p>
-        </p:txBody>
-      </p:sp>
-      <p:sp>
-        <p:nvSpPr>
-          <p:cNvPr id="37" name="Ellipse 36">
-            <a:extLst>
-              <a:ext uri="{FF2B5EF4-FFF2-40B4-BE49-F238E27FC236}">
-                <a16:creationId xmlns:a16="http://schemas.microsoft.com/office/drawing/2014/main" id="{A10DA4E2-1701-49C9-A4BB-372D78E2D6D8}"/>
-              </a:ext>
-            </a:extLst>
-          </p:cNvPr>
-          <p:cNvSpPr/>
-          <p:nvPr/>
-        </p:nvSpPr>
-        <p:spPr>
-          <a:xfrm>
-            <a:off x="5979369" y="2012609"/>
-            <a:ext cx="1547345" cy="1238008"/>
-          </a:xfrm>
-          <a:prstGeom prst="ellipse">
-            <a:avLst/>
-          </a:prstGeom>
-          <a:noFill/>
-        </p:spPr>
-        <p:style>
-          <a:lnRef idx="2">
-            <a:schemeClr val="accent1">
-              <a:shade val="50000"/>
-            </a:schemeClr>
-          </a:lnRef>
-          <a:fillRef idx="1">
-            <a:schemeClr val="accent1"/>
-          </a:fillRef>
-          <a:effectRef idx="0">
-            <a:schemeClr val="accent1"/>
-          </a:effectRef>
-          <a:fontRef idx="minor">
-            <a:schemeClr val="lt1"/>
-          </a:fontRef>
-        </p:style>
-        <p:txBody>
-          <a:bodyPr rtlCol="0" anchor="ctr"/>
-          <a:lstStyle/>
-          <a:p>
-            <a:pPr algn="ctr"/>
-            <a:endParaRPr lang="fr-FR"/>
-          </a:p>
-        </p:txBody>
-      </p:sp>
-      <p:sp>
-        <p:nvSpPr>
-          <p:cNvPr id="38" name="Ellipse 37">
-            <a:extLst>
-              <a:ext uri="{FF2B5EF4-FFF2-40B4-BE49-F238E27FC236}">
-                <a16:creationId xmlns:a16="http://schemas.microsoft.com/office/drawing/2014/main" id="{A7262EF3-0570-4E39-B63B-006B73664264}"/>
-              </a:ext>
-            </a:extLst>
-          </p:cNvPr>
-          <p:cNvSpPr/>
-          <p:nvPr/>
-        </p:nvSpPr>
-        <p:spPr>
-          <a:xfrm>
-            <a:off x="4440184" y="4121154"/>
-            <a:ext cx="2012610" cy="716215"/>
-          </a:xfrm>
-          <a:prstGeom prst="ellipse">
-            <a:avLst/>
-          </a:prstGeom>
-          <a:noFill/>
-        </p:spPr>
-        <p:style>
-          <a:lnRef idx="2">
-            <a:schemeClr val="accent1">
-              <a:shade val="50000"/>
-            </a:schemeClr>
-          </a:lnRef>
-          <a:fillRef idx="1">
-            <a:schemeClr val="accent1"/>
-          </a:fillRef>
-          <a:effectRef idx="0">
-            <a:schemeClr val="accent1"/>
-          </a:effectRef>
-          <a:fontRef idx="minor">
-            <a:schemeClr val="lt1"/>
-          </a:fontRef>
-        </p:style>
-        <p:txBody>
-          <a:bodyPr rtlCol="0" anchor="ctr"/>
-          <a:lstStyle/>
-          <a:p>
-            <a:pPr algn="ctr"/>
-            <a:endParaRPr lang="fr-FR"/>
-          </a:p>
-        </p:txBody>
-      </p:sp>
       <p:cxnSp>
         <p:nvCxnSpPr>
-          <p:cNvPr id="13" name="Connecteur droit 12">
-            <a:extLst>
-              <a:ext uri="{FF2B5EF4-FFF2-40B4-BE49-F238E27FC236}">
-                <a16:creationId xmlns:a16="http://schemas.microsoft.com/office/drawing/2014/main" id="{A6C79841-3236-4C53-9260-3E329556ED5C}"/>
+          <p:cNvPr id="80" name="Connecteur droit 79">
+            <a:extLst>
+              <a:ext uri="{FF2B5EF4-FFF2-40B4-BE49-F238E27FC236}">
+                <a16:creationId xmlns:a16="http://schemas.microsoft.com/office/drawing/2014/main" id="{206FC90D-D598-435A-8475-082A140DEA8D}"/>
               </a:ext>
             </a:extLst>
           </p:cNvPr>
           <p:cNvCxnSpPr>
             <a:cxnSpLocks/>
-            <a:stCxn id="5" idx="3"/>
-            <a:endCxn id="37" idx="2"/>
+            <a:stCxn id="79" idx="2"/>
+            <a:endCxn id="43" idx="3"/>
           </p:cNvCxnSpPr>
           <p:nvPr/>
         </p:nvCxnSpPr>
         <p:spPr>
-          <a:xfrm flipV="1">
-            <a:off x="5279739" y="2631613"/>
-            <a:ext cx="699630" cy="347820"/>
+          <a:xfrm flipH="1">
+            <a:off x="4826357" y="810503"/>
+            <a:ext cx="1882545" cy="0"/>
           </a:xfrm>
           <a:prstGeom prst="line">
             <a:avLst/>
@@ -4157,24 +4764,110 @@
       </p:cxnSp>
       <p:cxnSp>
         <p:nvCxnSpPr>
-          <p:cNvPr id="39" name="Connecteur droit 38">
-            <a:extLst>
-              <a:ext uri="{FF2B5EF4-FFF2-40B4-BE49-F238E27FC236}">
-                <a16:creationId xmlns:a16="http://schemas.microsoft.com/office/drawing/2014/main" id="{E45891D4-0CE6-4C90-A6A5-5D7852BC73F7}"/>
+          <p:cNvPr id="81" name="Connecteur droit 80">
+            <a:extLst>
+              <a:ext uri="{FF2B5EF4-FFF2-40B4-BE49-F238E27FC236}">
+                <a16:creationId xmlns:a16="http://schemas.microsoft.com/office/drawing/2014/main" id="{2230E6E9-F862-4087-869F-6CD837498669}"/>
               </a:ext>
             </a:extLst>
           </p:cNvPr>
           <p:cNvCxnSpPr>
             <a:cxnSpLocks/>
-            <a:stCxn id="4" idx="1"/>
-            <a:endCxn id="37" idx="6"/>
+            <a:stCxn id="44" idx="0"/>
+            <a:endCxn id="79" idx="4"/>
           </p:cNvCxnSpPr>
           <p:nvPr/>
         </p:nvCxnSpPr>
         <p:spPr>
-          <a:xfrm flipH="1">
-            <a:off x="7526714" y="1206220"/>
-            <a:ext cx="669041" cy="1425393"/>
+          <a:xfrm flipH="1" flipV="1">
+            <a:off x="7413383" y="1179521"/>
+            <a:ext cx="6777" cy="578149"/>
+          </a:xfrm>
+          <a:prstGeom prst="line">
+            <a:avLst/>
+          </a:prstGeom>
+        </p:spPr>
+        <p:style>
+          <a:lnRef idx="1">
+            <a:schemeClr val="accent1"/>
+          </a:lnRef>
+          <a:fillRef idx="0">
+            <a:schemeClr val="accent1"/>
+          </a:fillRef>
+          <a:effectRef idx="0">
+            <a:schemeClr val="accent1"/>
+          </a:effectRef>
+          <a:fontRef idx="minor">
+            <a:schemeClr val="tx1"/>
+          </a:fontRef>
+        </p:style>
+      </p:cxnSp>
+      <p:sp>
+        <p:nvSpPr>
+          <p:cNvPr id="87" name="Ellipse 86">
+            <a:extLst>
+              <a:ext uri="{FF2B5EF4-FFF2-40B4-BE49-F238E27FC236}">
+                <a16:creationId xmlns:a16="http://schemas.microsoft.com/office/drawing/2014/main" id="{F2BCCC1D-C1C3-44D9-90CE-183EAC1D3362}"/>
+              </a:ext>
+            </a:extLst>
+          </p:cNvPr>
+          <p:cNvSpPr/>
+          <p:nvPr/>
+        </p:nvSpPr>
+        <p:spPr>
+          <a:xfrm>
+            <a:off x="8274467" y="3675888"/>
+            <a:ext cx="1408961" cy="738037"/>
+          </a:xfrm>
+          <a:prstGeom prst="ellipse">
+            <a:avLst/>
+          </a:prstGeom>
+          <a:noFill/>
+        </p:spPr>
+        <p:style>
+          <a:lnRef idx="2">
+            <a:schemeClr val="accent1">
+              <a:shade val="50000"/>
+            </a:schemeClr>
+          </a:lnRef>
+          <a:fillRef idx="1">
+            <a:schemeClr val="accent1"/>
+          </a:fillRef>
+          <a:effectRef idx="0">
+            <a:schemeClr val="accent1"/>
+          </a:effectRef>
+          <a:fontRef idx="minor">
+            <a:schemeClr val="lt1"/>
+          </a:fontRef>
+        </p:style>
+        <p:txBody>
+          <a:bodyPr rtlCol="0" anchor="ctr"/>
+          <a:lstStyle/>
+          <a:p>
+            <a:pPr algn="ctr"/>
+            <a:endParaRPr lang="fr-FR"/>
+          </a:p>
+        </p:txBody>
+      </p:sp>
+      <p:cxnSp>
+        <p:nvCxnSpPr>
+          <p:cNvPr id="88" name="Connecteur droit 87">
+            <a:extLst>
+              <a:ext uri="{FF2B5EF4-FFF2-40B4-BE49-F238E27FC236}">
+                <a16:creationId xmlns:a16="http://schemas.microsoft.com/office/drawing/2014/main" id="{1E06F3D9-1D8F-426D-9E21-DFC732F848B1}"/>
+              </a:ext>
+            </a:extLst>
+          </p:cNvPr>
+          <p:cNvCxnSpPr>
+            <a:cxnSpLocks/>
+            <a:stCxn id="87" idx="1"/>
+          </p:cNvCxnSpPr>
+          <p:nvPr/>
+        </p:nvCxnSpPr>
+        <p:spPr>
+          <a:xfrm flipH="1" flipV="1">
+            <a:off x="7878397" y="2649665"/>
+            <a:ext cx="602408" cy="1134306"/>
           </a:xfrm>
           <a:prstGeom prst="line">
             <a:avLst/>
@@ -4197,24 +4890,109 @@
       </p:cxnSp>
       <p:cxnSp>
         <p:nvCxnSpPr>
-          <p:cNvPr id="45" name="Connecteur droit 44">
-            <a:extLst>
-              <a:ext uri="{FF2B5EF4-FFF2-40B4-BE49-F238E27FC236}">
-                <a16:creationId xmlns:a16="http://schemas.microsoft.com/office/drawing/2014/main" id="{0EB2D258-79CF-47D5-8493-C14D7EEA053A}"/>
+          <p:cNvPr id="89" name="Connecteur droit 88">
+            <a:extLst>
+              <a:ext uri="{FF2B5EF4-FFF2-40B4-BE49-F238E27FC236}">
+                <a16:creationId xmlns:a16="http://schemas.microsoft.com/office/drawing/2014/main" id="{4595CE14-0782-4F3F-9263-F437D48ECE5D}"/>
               </a:ext>
             </a:extLst>
           </p:cNvPr>
           <p:cNvCxnSpPr>
             <a:cxnSpLocks/>
-            <a:stCxn id="9" idx="3"/>
-            <a:endCxn id="33" idx="2"/>
+            <a:stCxn id="87" idx="0"/>
+            <a:endCxn id="4" idx="1"/>
           </p:cNvCxnSpPr>
           <p:nvPr/>
         </p:nvCxnSpPr>
         <p:spPr>
           <a:xfrm flipV="1">
-            <a:off x="1552502" y="640775"/>
-            <a:ext cx="1768009" cy="526759"/>
+            <a:off x="8978948" y="1228180"/>
+            <a:ext cx="1021460" cy="2447708"/>
+          </a:xfrm>
+          <a:prstGeom prst="line">
+            <a:avLst/>
+          </a:prstGeom>
+        </p:spPr>
+        <p:style>
+          <a:lnRef idx="1">
+            <a:schemeClr val="accent1"/>
+          </a:lnRef>
+          <a:fillRef idx="0">
+            <a:schemeClr val="accent1"/>
+          </a:fillRef>
+          <a:effectRef idx="0">
+            <a:schemeClr val="accent1"/>
+          </a:effectRef>
+          <a:fontRef idx="minor">
+            <a:schemeClr val="tx1"/>
+          </a:fontRef>
+        </p:style>
+      </p:cxnSp>
+      <p:sp>
+        <p:nvSpPr>
+          <p:cNvPr id="101" name="Ellipse 100">
+            <a:extLst>
+              <a:ext uri="{FF2B5EF4-FFF2-40B4-BE49-F238E27FC236}">
+                <a16:creationId xmlns:a16="http://schemas.microsoft.com/office/drawing/2014/main" id="{3E7CDB0D-8FCD-4D3F-9C64-9B6823A6A582}"/>
+              </a:ext>
+            </a:extLst>
+          </p:cNvPr>
+          <p:cNvSpPr/>
+          <p:nvPr/>
+        </p:nvSpPr>
+        <p:spPr>
+          <a:xfrm>
+            <a:off x="5937223" y="3762827"/>
+            <a:ext cx="1408961" cy="738037"/>
+          </a:xfrm>
+          <a:prstGeom prst="ellipse">
+            <a:avLst/>
+          </a:prstGeom>
+          <a:noFill/>
+        </p:spPr>
+        <p:style>
+          <a:lnRef idx="2">
+            <a:schemeClr val="accent1">
+              <a:shade val="50000"/>
+            </a:schemeClr>
+          </a:lnRef>
+          <a:fillRef idx="1">
+            <a:schemeClr val="accent1"/>
+          </a:fillRef>
+          <a:effectRef idx="0">
+            <a:schemeClr val="accent1"/>
+          </a:effectRef>
+          <a:fontRef idx="minor">
+            <a:schemeClr val="lt1"/>
+          </a:fontRef>
+        </p:style>
+        <p:txBody>
+          <a:bodyPr rtlCol="0" anchor="ctr"/>
+          <a:lstStyle/>
+          <a:p>
+            <a:pPr algn="ctr"/>
+            <a:endParaRPr lang="fr-FR"/>
+          </a:p>
+        </p:txBody>
+      </p:sp>
+      <p:cxnSp>
+        <p:nvCxnSpPr>
+          <p:cNvPr id="102" name="Connecteur droit 101">
+            <a:extLst>
+              <a:ext uri="{FF2B5EF4-FFF2-40B4-BE49-F238E27FC236}">
+                <a16:creationId xmlns:a16="http://schemas.microsoft.com/office/drawing/2014/main" id="{D6910302-BA9A-4F5E-8DD9-D40020E6A431}"/>
+              </a:ext>
+            </a:extLst>
+          </p:cNvPr>
+          <p:cNvCxnSpPr>
+            <a:cxnSpLocks/>
+          </p:cNvCxnSpPr>
+          <p:nvPr/>
+        </p:nvCxnSpPr>
+        <p:spPr>
+          <a:xfrm flipV="1">
+            <a:off x="6625792" y="2681000"/>
+            <a:ext cx="377741" cy="1066885"/>
           </a:xfrm>
           <a:prstGeom prst="line">
             <a:avLst/>
@@ -4237,24 +5015,24 @@
       </p:cxnSp>
       <p:cxnSp>
         <p:nvCxnSpPr>
-          <p:cNvPr id="48" name="Connecteur droit 47">
-            <a:extLst>
-              <a:ext uri="{FF2B5EF4-FFF2-40B4-BE49-F238E27FC236}">
-                <a16:creationId xmlns:a16="http://schemas.microsoft.com/office/drawing/2014/main" id="{33957AEB-EB2D-47EF-A178-58FE8A411112}"/>
+          <p:cNvPr id="104" name="Connecteur droit 103">
+            <a:extLst>
+              <a:ext uri="{FF2B5EF4-FFF2-40B4-BE49-F238E27FC236}">
+                <a16:creationId xmlns:a16="http://schemas.microsoft.com/office/drawing/2014/main" id="{ECB8043C-02D2-4B29-9FAE-99D18FE04A6B}"/>
               </a:ext>
             </a:extLst>
           </p:cNvPr>
           <p:cNvCxnSpPr>
             <a:cxnSpLocks/>
-            <a:stCxn id="36" idx="6"/>
-            <a:endCxn id="5" idx="1"/>
+            <a:stCxn id="101" idx="2"/>
+            <a:endCxn id="5" idx="3"/>
           </p:cNvCxnSpPr>
           <p:nvPr/>
         </p:nvCxnSpPr>
         <p:spPr>
-          <a:xfrm>
-            <a:off x="3171560" y="2787784"/>
-            <a:ext cx="760310" cy="191649"/>
+          <a:xfrm flipH="1" flipV="1">
+            <a:off x="5049067" y="4125105"/>
+            <a:ext cx="888156" cy="6741"/>
           </a:xfrm>
           <a:prstGeom prst="line">
             <a:avLst/>
@@ -4275,212 +5053,12 @@
           </a:fontRef>
         </p:style>
       </p:cxnSp>
-      <p:cxnSp>
-        <p:nvCxnSpPr>
-          <p:cNvPr id="51" name="Connecteur droit 50">
-            <a:extLst>
-              <a:ext uri="{FF2B5EF4-FFF2-40B4-BE49-F238E27FC236}">
-                <a16:creationId xmlns:a16="http://schemas.microsoft.com/office/drawing/2014/main" id="{3AEE878F-6F17-4406-942B-3C77C1FAF058}"/>
-              </a:ext>
-            </a:extLst>
-          </p:cNvPr>
-          <p:cNvCxnSpPr>
-            <a:cxnSpLocks/>
-            <a:stCxn id="9" idx="2"/>
-            <a:endCxn id="36" idx="1"/>
-          </p:cNvCxnSpPr>
-          <p:nvPr/>
-        </p:nvCxnSpPr>
-        <p:spPr>
-          <a:xfrm>
-            <a:off x="934288" y="1767698"/>
-            <a:ext cx="560597" cy="779649"/>
-          </a:xfrm>
-          <a:prstGeom prst="line">
-            <a:avLst/>
-          </a:prstGeom>
-        </p:spPr>
-        <p:style>
-          <a:lnRef idx="1">
-            <a:schemeClr val="accent1"/>
-          </a:lnRef>
-          <a:fillRef idx="0">
-            <a:schemeClr val="accent1"/>
-          </a:fillRef>
-          <a:effectRef idx="0">
-            <a:schemeClr val="accent1"/>
-          </a:effectRef>
-          <a:fontRef idx="minor">
-            <a:schemeClr val="tx1"/>
-          </a:fontRef>
-        </p:style>
-      </p:cxnSp>
-      <p:cxnSp>
-        <p:nvCxnSpPr>
-          <p:cNvPr id="55" name="Connecteur droit 54">
-            <a:extLst>
-              <a:ext uri="{FF2B5EF4-FFF2-40B4-BE49-F238E27FC236}">
-                <a16:creationId xmlns:a16="http://schemas.microsoft.com/office/drawing/2014/main" id="{F5D7F2C1-803A-438F-9B61-238E9381C2C7}"/>
-              </a:ext>
-            </a:extLst>
-          </p:cNvPr>
-          <p:cNvCxnSpPr>
-            <a:cxnSpLocks/>
-            <a:stCxn id="5" idx="2"/>
-            <a:endCxn id="38" idx="0"/>
-          </p:cNvCxnSpPr>
-          <p:nvPr/>
-        </p:nvCxnSpPr>
-        <p:spPr>
-          <a:xfrm>
-            <a:off x="4605805" y="3441098"/>
-            <a:ext cx="840684" cy="680056"/>
-          </a:xfrm>
-          <a:prstGeom prst="line">
-            <a:avLst/>
-          </a:prstGeom>
-        </p:spPr>
-        <p:style>
-          <a:lnRef idx="1">
-            <a:schemeClr val="accent1"/>
-          </a:lnRef>
-          <a:fillRef idx="0">
-            <a:schemeClr val="accent1"/>
-          </a:fillRef>
-          <a:effectRef idx="0">
-            <a:schemeClr val="accent1"/>
-          </a:effectRef>
-          <a:fontRef idx="minor">
-            <a:schemeClr val="tx1"/>
-          </a:fontRef>
-        </p:style>
-      </p:cxnSp>
-      <p:cxnSp>
-        <p:nvCxnSpPr>
-          <p:cNvPr id="58" name="Connecteur droit 57">
-            <a:extLst>
-              <a:ext uri="{FF2B5EF4-FFF2-40B4-BE49-F238E27FC236}">
-                <a16:creationId xmlns:a16="http://schemas.microsoft.com/office/drawing/2014/main" id="{DC15F8CA-0032-44E9-B921-5BFC46875F98}"/>
-              </a:ext>
-            </a:extLst>
-          </p:cNvPr>
-          <p:cNvCxnSpPr>
-            <a:cxnSpLocks/>
-            <a:stCxn id="7" idx="0"/>
-            <a:endCxn id="38" idx="4"/>
-          </p:cNvCxnSpPr>
-          <p:nvPr/>
-        </p:nvCxnSpPr>
-        <p:spPr>
-          <a:xfrm flipH="1" flipV="1">
-            <a:off x="5446489" y="4837369"/>
-            <a:ext cx="164611" cy="361724"/>
-          </a:xfrm>
-          <a:prstGeom prst="line">
-            <a:avLst/>
-          </a:prstGeom>
-        </p:spPr>
-        <p:style>
-          <a:lnRef idx="1">
-            <a:schemeClr val="accent1"/>
-          </a:lnRef>
-          <a:fillRef idx="0">
-            <a:schemeClr val="accent1"/>
-          </a:fillRef>
-          <a:effectRef idx="0">
-            <a:schemeClr val="accent1"/>
-          </a:effectRef>
-          <a:fontRef idx="minor">
-            <a:schemeClr val="tx1"/>
-          </a:fontRef>
-        </p:style>
-      </p:cxnSp>
-      <p:cxnSp>
-        <p:nvCxnSpPr>
-          <p:cNvPr id="61" name="Connecteur droit 60">
-            <a:extLst>
-              <a:ext uri="{FF2B5EF4-FFF2-40B4-BE49-F238E27FC236}">
-                <a16:creationId xmlns:a16="http://schemas.microsoft.com/office/drawing/2014/main" id="{F6135EC5-C09D-4654-AD1D-3139D8DA36A5}"/>
-              </a:ext>
-            </a:extLst>
-          </p:cNvPr>
-          <p:cNvCxnSpPr>
-            <a:cxnSpLocks/>
-            <a:stCxn id="3" idx="0"/>
-            <a:endCxn id="4" idx="2"/>
-          </p:cNvCxnSpPr>
-          <p:nvPr/>
-        </p:nvCxnSpPr>
-        <p:spPr>
-          <a:xfrm flipH="1" flipV="1">
-            <a:off x="9135371" y="2360382"/>
-            <a:ext cx="1095681" cy="537991"/>
-          </a:xfrm>
-          <a:prstGeom prst="line">
-            <a:avLst/>
-          </a:prstGeom>
-        </p:spPr>
-        <p:style>
-          <a:lnRef idx="1">
-            <a:schemeClr val="accent1"/>
-          </a:lnRef>
-          <a:fillRef idx="0">
-            <a:schemeClr val="accent1"/>
-          </a:fillRef>
-          <a:effectRef idx="0">
-            <a:schemeClr val="accent1"/>
-          </a:effectRef>
-          <a:fontRef idx="minor">
-            <a:schemeClr val="tx1"/>
-          </a:fontRef>
-        </p:style>
-      </p:cxnSp>
-      <p:cxnSp>
-        <p:nvCxnSpPr>
-          <p:cNvPr id="64" name="Connecteur droit 63">
-            <a:extLst>
-              <a:ext uri="{FF2B5EF4-FFF2-40B4-BE49-F238E27FC236}">
-                <a16:creationId xmlns:a16="http://schemas.microsoft.com/office/drawing/2014/main" id="{25B248FF-E3F9-4650-A3BA-2B76AECB2DD3}"/>
-              </a:ext>
-            </a:extLst>
-          </p:cNvPr>
-          <p:cNvCxnSpPr>
-            <a:cxnSpLocks/>
-            <a:stCxn id="6" idx="0"/>
-            <a:endCxn id="3" idx="4"/>
-          </p:cNvCxnSpPr>
-          <p:nvPr/>
-        </p:nvCxnSpPr>
-        <p:spPr>
-          <a:xfrm flipH="1" flipV="1">
-            <a:off x="10231052" y="3821703"/>
-            <a:ext cx="237865" cy="781237"/>
-          </a:xfrm>
-          <a:prstGeom prst="line">
-            <a:avLst/>
-          </a:prstGeom>
-        </p:spPr>
-        <p:style>
-          <a:lnRef idx="1">
-            <a:schemeClr val="accent1"/>
-          </a:lnRef>
-          <a:fillRef idx="0">
-            <a:schemeClr val="accent1"/>
-          </a:fillRef>
-          <a:effectRef idx="0">
-            <a:schemeClr val="accent1"/>
-          </a:effectRef>
-          <a:fontRef idx="minor">
-            <a:schemeClr val="tx1"/>
-          </a:fontRef>
-        </p:style>
-      </p:cxnSp>
-      <p:sp>
-        <p:nvSpPr>
-          <p:cNvPr id="67" name="ZoneTexte 66">
-            <a:extLst>
-              <a:ext uri="{FF2B5EF4-FFF2-40B4-BE49-F238E27FC236}">
-                <a16:creationId xmlns:a16="http://schemas.microsoft.com/office/drawing/2014/main" id="{66D358FC-3757-4A4D-BFA4-1847FA374E3F}"/>
+      <p:sp>
+        <p:nvSpPr>
+          <p:cNvPr id="106" name="ZoneTexte 105">
+            <a:extLst>
+              <a:ext uri="{FF2B5EF4-FFF2-40B4-BE49-F238E27FC236}">
+                <a16:creationId xmlns:a16="http://schemas.microsoft.com/office/drawing/2014/main" id="{3EEEC48A-CC72-42D5-AB36-054348002D7C}"/>
               </a:ext>
             </a:extLst>
           </p:cNvPr>
@@ -4489,8 +5067,8 @@
         </p:nvSpPr>
         <p:spPr>
           <a:xfrm>
-            <a:off x="1778727" y="487908"/>
-            <a:ext cx="508473" cy="369332"/>
+            <a:off x="6917168" y="549655"/>
+            <a:ext cx="1068642" cy="523220"/>
           </a:xfrm>
           <a:prstGeom prst="rect">
             <a:avLst/>
@@ -4498,24 +5076,34 @@
           <a:noFill/>
         </p:spPr>
         <p:txBody>
-          <a:bodyPr wrap="none" rtlCol="0">
+          <a:bodyPr wrap="square" rtlCol="0">
             <a:spAutoFit/>
           </a:bodyPr>
           <a:lstStyle/>
           <a:p>
-            <a:r>
-              <a:rPr lang="fr-FR" dirty="0"/>
-              <a:t>0,N</a:t>
-            </a:r>
-          </a:p>
-        </p:txBody>
-      </p:sp>
-      <p:sp>
-        <p:nvSpPr>
-          <p:cNvPr id="68" name="ZoneTexte 67">
-            <a:extLst>
-              <a:ext uri="{FF2B5EF4-FFF2-40B4-BE49-F238E27FC236}">
-                <a16:creationId xmlns:a16="http://schemas.microsoft.com/office/drawing/2014/main" id="{49E44F99-CDDA-45BD-8CB9-012C036D8400}"/>
+            <a:pPr algn="ctr"/>
+            <a:r>
+              <a:rPr lang="fr-FR" sz="1400" b="1" dirty="0" err="1"/>
+              <a:t>Repondre</a:t>
+            </a:r>
+            <a:endParaRPr lang="fr-FR" sz="1400" b="1" dirty="0"/>
+          </a:p>
+          <a:p>
+            <a:pPr algn="ctr"/>
+            <a:r>
+              <a:rPr lang="fr-FR" sz="1400" dirty="0" err="1"/>
+              <a:t>reponse</a:t>
+            </a:r>
+            <a:endParaRPr lang="fr-FR" dirty="0"/>
+          </a:p>
+        </p:txBody>
+      </p:sp>
+      <p:sp>
+        <p:nvSpPr>
+          <p:cNvPr id="114" name="ZoneTexte 113">
+            <a:extLst>
+              <a:ext uri="{FF2B5EF4-FFF2-40B4-BE49-F238E27FC236}">
+                <a16:creationId xmlns:a16="http://schemas.microsoft.com/office/drawing/2014/main" id="{3000F4C6-A384-41AA-9AB4-5BEC56DA5E6B}"/>
               </a:ext>
             </a:extLst>
           </p:cNvPr>
@@ -4524,8 +5112,8 @@
         </p:nvSpPr>
         <p:spPr>
           <a:xfrm>
-            <a:off x="659824" y="2077650"/>
-            <a:ext cx="508473" cy="369332"/>
+            <a:off x="8444627" y="3864294"/>
+            <a:ext cx="1068642" cy="307777"/>
           </a:xfrm>
           <a:prstGeom prst="rect">
             <a:avLst/>
@@ -4533,24 +5121,25 @@
           <a:noFill/>
         </p:spPr>
         <p:txBody>
-          <a:bodyPr wrap="none" rtlCol="0">
+          <a:bodyPr wrap="square" rtlCol="0">
             <a:spAutoFit/>
           </a:bodyPr>
           <a:lstStyle/>
           <a:p>
-            <a:r>
-              <a:rPr lang="fr-FR" dirty="0"/>
-              <a:t>0,N</a:t>
-            </a:r>
-          </a:p>
-        </p:txBody>
-      </p:sp>
-      <p:sp>
-        <p:nvSpPr>
-          <p:cNvPr id="70" name="ZoneTexte 69">
-            <a:extLst>
-              <a:ext uri="{FF2B5EF4-FFF2-40B4-BE49-F238E27FC236}">
-                <a16:creationId xmlns:a16="http://schemas.microsoft.com/office/drawing/2014/main" id="{6DA1A2B9-0549-4EFF-8C18-B5F952CE7E05}"/>
+            <a:pPr algn="ctr"/>
+            <a:r>
+              <a:rPr lang="fr-FR" sz="1400" b="1" dirty="0"/>
+              <a:t>Est un </a:t>
+            </a:r>
+          </a:p>
+        </p:txBody>
+      </p:sp>
+      <p:sp>
+        <p:nvSpPr>
+          <p:cNvPr id="115" name="ZoneTexte 114">
+            <a:extLst>
+              <a:ext uri="{FF2B5EF4-FFF2-40B4-BE49-F238E27FC236}">
+                <a16:creationId xmlns:a16="http://schemas.microsoft.com/office/drawing/2014/main" id="{687F2265-42A9-4C7F-AA0D-1EC3CFC18B36}"/>
               </a:ext>
             </a:extLst>
           </p:cNvPr>
@@ -4559,7 +5148,7 @@
         </p:nvSpPr>
         <p:spPr>
           <a:xfrm>
-            <a:off x="3256001" y="3127812"/>
+            <a:off x="7980298" y="2687834"/>
             <a:ext cx="476412" cy="369332"/>
           </a:xfrm>
           <a:prstGeom prst="rect">
@@ -4582,10 +5171,10 @@
       </p:sp>
       <p:sp>
         <p:nvSpPr>
-          <p:cNvPr id="71" name="ZoneTexte 70">
-            <a:extLst>
-              <a:ext uri="{FF2B5EF4-FFF2-40B4-BE49-F238E27FC236}">
-                <a16:creationId xmlns:a16="http://schemas.microsoft.com/office/drawing/2014/main" id="{40504A24-57C8-493A-A91A-631478A0D6D1}"/>
+          <p:cNvPr id="116" name="ZoneTexte 115">
+            <a:extLst>
+              <a:ext uri="{FF2B5EF4-FFF2-40B4-BE49-F238E27FC236}">
+                <a16:creationId xmlns:a16="http://schemas.microsoft.com/office/drawing/2014/main" id="{BA729DC9-FCDC-44DA-AD93-DBDEA06CE226}"/>
               </a:ext>
             </a:extLst>
           </p:cNvPr>
@@ -4594,8 +5183,8 @@
         </p:nvSpPr>
         <p:spPr>
           <a:xfrm>
-            <a:off x="7199729" y="1553586"/>
-            <a:ext cx="508473" cy="369332"/>
+            <a:off x="6107382" y="3977956"/>
+            <a:ext cx="1068642" cy="307777"/>
           </a:xfrm>
           <a:prstGeom prst="rect">
             <a:avLst/>
@@ -4603,24 +5192,25 @@
           <a:noFill/>
         </p:spPr>
         <p:txBody>
-          <a:bodyPr wrap="none" rtlCol="0">
+          <a:bodyPr wrap="square" rtlCol="0">
             <a:spAutoFit/>
           </a:bodyPr>
           <a:lstStyle/>
           <a:p>
-            <a:r>
-              <a:rPr lang="fr-FR" dirty="0"/>
-              <a:t>0,N</a:t>
-            </a:r>
-          </a:p>
-        </p:txBody>
-      </p:sp>
-      <p:sp>
-        <p:nvSpPr>
-          <p:cNvPr id="72" name="ZoneTexte 71">
-            <a:extLst>
-              <a:ext uri="{FF2B5EF4-FFF2-40B4-BE49-F238E27FC236}">
-                <a16:creationId xmlns:a16="http://schemas.microsoft.com/office/drawing/2014/main" id="{81439377-7121-46EA-A3C4-D220CCF3FA95}"/>
+            <a:pPr algn="ctr"/>
+            <a:r>
+              <a:rPr lang="fr-FR" sz="1400" b="1" dirty="0"/>
+              <a:t>Participer </a:t>
+            </a:r>
+          </a:p>
+        </p:txBody>
+      </p:sp>
+      <p:sp>
+        <p:nvSpPr>
+          <p:cNvPr id="118" name="ZoneTexte 117">
+            <a:extLst>
+              <a:ext uri="{FF2B5EF4-FFF2-40B4-BE49-F238E27FC236}">
+                <a16:creationId xmlns:a16="http://schemas.microsoft.com/office/drawing/2014/main" id="{0C191456-CFF5-48B7-88E3-B631A8BEFE36}"/>
               </a:ext>
             </a:extLst>
           </p:cNvPr>
@@ -4629,7 +5219,7 @@
         </p:nvSpPr>
         <p:spPr>
           <a:xfrm>
-            <a:off x="5944321" y="4793395"/>
+            <a:off x="5017369" y="4123920"/>
             <a:ext cx="508473" cy="369332"/>
           </a:xfrm>
           <a:prstGeom prst="rect">
@@ -4652,10 +5242,10 @@
       </p:sp>
       <p:sp>
         <p:nvSpPr>
-          <p:cNvPr id="73" name="ZoneTexte 72">
-            <a:extLst>
-              <a:ext uri="{FF2B5EF4-FFF2-40B4-BE49-F238E27FC236}">
-                <a16:creationId xmlns:a16="http://schemas.microsoft.com/office/drawing/2014/main" id="{D25E9F5F-9EE9-440A-A9BD-D70E591A18D6}"/>
+          <p:cNvPr id="119" name="ZoneTexte 118">
+            <a:extLst>
+              <a:ext uri="{FF2B5EF4-FFF2-40B4-BE49-F238E27FC236}">
+                <a16:creationId xmlns:a16="http://schemas.microsoft.com/office/drawing/2014/main" id="{A8D30285-CC6D-4C97-AEF2-4D26C3D619BB}"/>
               </a:ext>
             </a:extLst>
           </p:cNvPr>
@@ -4664,8 +5254,8 @@
         </p:nvSpPr>
         <p:spPr>
           <a:xfrm>
-            <a:off x="3992142" y="3905940"/>
-            <a:ext cx="508473" cy="369332"/>
+            <a:off x="6938780" y="2697491"/>
+            <a:ext cx="476412" cy="369332"/>
           </a:xfrm>
           <a:prstGeom prst="rect">
             <a:avLst/>
@@ -4680,17 +5270,17 @@
           <a:p>
             <a:r>
               <a:rPr lang="fr-FR" dirty="0"/>
-              <a:t>0,N</a:t>
-            </a:r>
-          </a:p>
-        </p:txBody>
-      </p:sp>
-      <p:sp>
-        <p:nvSpPr>
-          <p:cNvPr id="74" name="ZoneTexte 73">
-            <a:extLst>
-              <a:ext uri="{FF2B5EF4-FFF2-40B4-BE49-F238E27FC236}">
-                <a16:creationId xmlns:a16="http://schemas.microsoft.com/office/drawing/2014/main" id="{696CD082-FDFC-4FB6-BE1B-BD202FFF0EF3}"/>
+              <a:t>0,1</a:t>
+            </a:r>
+          </a:p>
+        </p:txBody>
+      </p:sp>
+      <p:sp>
+        <p:nvSpPr>
+          <p:cNvPr id="120" name="ZoneTexte 119">
+            <a:extLst>
+              <a:ext uri="{FF2B5EF4-FFF2-40B4-BE49-F238E27FC236}">
+                <a16:creationId xmlns:a16="http://schemas.microsoft.com/office/drawing/2014/main" id="{4966D050-3CDD-47E8-8697-69C14B5D93E5}"/>
               </a:ext>
             </a:extLst>
           </p:cNvPr>
@@ -4699,7 +5289,7 @@
         </p:nvSpPr>
         <p:spPr>
           <a:xfrm>
-            <a:off x="10129514" y="2360382"/>
+            <a:off x="7386950" y="1411308"/>
             <a:ext cx="508473" cy="369332"/>
           </a:xfrm>
           <a:prstGeom prst="rect">
@@ -4722,10 +5312,10 @@
       </p:sp>
       <p:sp>
         <p:nvSpPr>
-          <p:cNvPr id="75" name="ZoneTexte 74">
-            <a:extLst>
-              <a:ext uri="{FF2B5EF4-FFF2-40B4-BE49-F238E27FC236}">
-                <a16:creationId xmlns:a16="http://schemas.microsoft.com/office/drawing/2014/main" id="{F3998536-5D30-42AB-9202-C1B9991EED5A}"/>
+          <p:cNvPr id="122" name="ZoneTexte 121">
+            <a:extLst>
+              <a:ext uri="{FF2B5EF4-FFF2-40B4-BE49-F238E27FC236}">
+                <a16:creationId xmlns:a16="http://schemas.microsoft.com/office/drawing/2014/main" id="{0976935D-6901-4538-A25D-2EE2C2874F2D}"/>
               </a:ext>
             </a:extLst>
           </p:cNvPr>
@@ -4734,7 +5324,7 @@
         </p:nvSpPr>
         <p:spPr>
           <a:xfrm>
-            <a:off x="7187927" y="612644"/>
+            <a:off x="4840303" y="489030"/>
             <a:ext cx="508473" cy="369332"/>
           </a:xfrm>
           <a:prstGeom prst="rect">
@@ -4757,10 +5347,10 @@
       </p:sp>
       <p:sp>
         <p:nvSpPr>
-          <p:cNvPr id="76" name="ZoneTexte 75">
-            <a:extLst>
-              <a:ext uri="{FF2B5EF4-FFF2-40B4-BE49-F238E27FC236}">
-                <a16:creationId xmlns:a16="http://schemas.microsoft.com/office/drawing/2014/main" id="{09B8F223-74CB-4350-BE4B-3486EB43EEBA}"/>
+          <p:cNvPr id="123" name="ZoneTexte 122">
+            <a:extLst>
+              <a:ext uri="{FF2B5EF4-FFF2-40B4-BE49-F238E27FC236}">
+                <a16:creationId xmlns:a16="http://schemas.microsoft.com/office/drawing/2014/main" id="{8E7F02A3-AED9-4D92-B705-767615ED20A1}"/>
               </a:ext>
             </a:extLst>
           </p:cNvPr>
@@ -4769,8 +5359,8 @@
         </p:nvSpPr>
         <p:spPr>
           <a:xfrm>
-            <a:off x="10538427" y="4155196"/>
-            <a:ext cx="508473" cy="369332"/>
+            <a:off x="4267928" y="1547265"/>
+            <a:ext cx="476412" cy="369332"/>
           </a:xfrm>
           <a:prstGeom prst="rect">
             <a:avLst/>
@@ -4785,57 +5375,17 @@
           <a:p>
             <a:r>
               <a:rPr lang="fr-FR" dirty="0"/>
-              <a:t>0,N</a:t>
-            </a:r>
-          </a:p>
-        </p:txBody>
-      </p:sp>
-      <p:cxnSp>
-        <p:nvCxnSpPr>
-          <p:cNvPr id="95" name="Connecteur droit 94">
-            <a:extLst>
-              <a:ext uri="{FF2B5EF4-FFF2-40B4-BE49-F238E27FC236}">
-                <a16:creationId xmlns:a16="http://schemas.microsoft.com/office/drawing/2014/main" id="{00BE451D-588F-434A-8046-E13B3832868F}"/>
-              </a:ext>
-            </a:extLst>
-          </p:cNvPr>
-          <p:cNvCxnSpPr>
-            <a:cxnSpLocks/>
-            <a:stCxn id="4" idx="1"/>
-            <a:endCxn id="33" idx="6"/>
-          </p:cNvCxnSpPr>
-          <p:nvPr/>
-        </p:nvCxnSpPr>
-        <p:spPr>
-          <a:xfrm flipH="1" flipV="1">
-            <a:off x="4874128" y="640775"/>
-            <a:ext cx="3321627" cy="565445"/>
-          </a:xfrm>
-          <a:prstGeom prst="line">
-            <a:avLst/>
-          </a:prstGeom>
-        </p:spPr>
-        <p:style>
-          <a:lnRef idx="1">
-            <a:schemeClr val="accent1"/>
-          </a:lnRef>
-          <a:fillRef idx="0">
-            <a:schemeClr val="accent1"/>
-          </a:fillRef>
-          <a:effectRef idx="0">
-            <a:schemeClr val="accent1"/>
-          </a:effectRef>
-          <a:fontRef idx="minor">
-            <a:schemeClr val="tx1"/>
-          </a:fontRef>
-        </p:style>
-      </p:cxnSp>
-      <p:sp>
-        <p:nvSpPr>
-          <p:cNvPr id="117" name="ZoneTexte 116">
-            <a:extLst>
-              <a:ext uri="{FF2B5EF4-FFF2-40B4-BE49-F238E27FC236}">
-                <a16:creationId xmlns:a16="http://schemas.microsoft.com/office/drawing/2014/main" id="{3E44B2D4-BE68-487B-BBBF-15B30E14A9AA}"/>
+              <a:t>0,1</a:t>
+            </a:r>
+          </a:p>
+        </p:txBody>
+      </p:sp>
+      <p:sp>
+        <p:nvSpPr>
+          <p:cNvPr id="127" name="ZoneTexte 126">
+            <a:extLst>
+              <a:ext uri="{FF2B5EF4-FFF2-40B4-BE49-F238E27FC236}">
+                <a16:creationId xmlns:a16="http://schemas.microsoft.com/office/drawing/2014/main" id="{F6854E70-7602-49BA-9D9C-FEB954DEFF1D}"/>
               </a:ext>
             </a:extLst>
           </p:cNvPr>
@@ -4844,8 +5394,8 @@
         </p:nvSpPr>
         <p:spPr>
           <a:xfrm>
-            <a:off x="4957616" y="1915163"/>
-            <a:ext cx="508473" cy="369332"/>
+            <a:off x="3797022" y="2373223"/>
+            <a:ext cx="1068642" cy="307777"/>
           </a:xfrm>
           <a:prstGeom prst="rect">
             <a:avLst/>
@@ -4853,124 +5403,15 @@
           <a:noFill/>
         </p:spPr>
         <p:txBody>
-          <a:bodyPr wrap="none" rtlCol="0">
+          <a:bodyPr wrap="square" rtlCol="0">
             <a:spAutoFit/>
           </a:bodyPr>
           <a:lstStyle/>
           <a:p>
-            <a:r>
-              <a:rPr lang="fr-FR" dirty="0"/>
-              <a:t>0,N</a:t>
-            </a:r>
-          </a:p>
-        </p:txBody>
-      </p:sp>
-      <p:cxnSp>
-        <p:nvCxnSpPr>
-          <p:cNvPr id="121" name="Connecteur droit 120">
-            <a:extLst>
-              <a:ext uri="{FF2B5EF4-FFF2-40B4-BE49-F238E27FC236}">
-                <a16:creationId xmlns:a16="http://schemas.microsoft.com/office/drawing/2014/main" id="{1B55A31B-003F-4538-9285-C224FF0C5CC9}"/>
-              </a:ext>
-            </a:extLst>
-          </p:cNvPr>
-          <p:cNvCxnSpPr>
-            <a:cxnSpLocks/>
-            <a:stCxn id="5" idx="0"/>
-            <a:endCxn id="33" idx="4"/>
-          </p:cNvCxnSpPr>
-          <p:nvPr/>
-        </p:nvCxnSpPr>
-        <p:spPr>
-          <a:xfrm flipH="1" flipV="1">
-            <a:off x="4097320" y="1030530"/>
-            <a:ext cx="508485" cy="1487238"/>
-          </a:xfrm>
-          <a:prstGeom prst="line">
-            <a:avLst/>
-          </a:prstGeom>
-        </p:spPr>
-        <p:style>
-          <a:lnRef idx="1">
-            <a:schemeClr val="accent1"/>
-          </a:lnRef>
-          <a:fillRef idx="0">
-            <a:schemeClr val="accent1"/>
-          </a:fillRef>
-          <a:effectRef idx="0">
-            <a:schemeClr val="accent1"/>
-          </a:effectRef>
-          <a:fontRef idx="minor">
-            <a:schemeClr val="tx1"/>
-          </a:fontRef>
-        </p:style>
-      </p:cxnSp>
-      <p:sp>
-        <p:nvSpPr>
-          <p:cNvPr id="124" name="ZoneTexte 123">
-            <a:extLst>
-              <a:ext uri="{FF2B5EF4-FFF2-40B4-BE49-F238E27FC236}">
-                <a16:creationId xmlns:a16="http://schemas.microsoft.com/office/drawing/2014/main" id="{E51C9555-A922-4C9D-848F-218BDC1331F7}"/>
-              </a:ext>
-            </a:extLst>
-          </p:cNvPr>
-          <p:cNvSpPr txBox="1"/>
-          <p:nvPr/>
-        </p:nvSpPr>
-        <p:spPr>
-          <a:xfrm>
-            <a:off x="4418870" y="1150833"/>
-            <a:ext cx="508473" cy="369332"/>
-          </a:xfrm>
-          <a:prstGeom prst="rect">
-            <a:avLst/>
-          </a:prstGeom>
-          <a:noFill/>
-        </p:spPr>
-        <p:txBody>
-          <a:bodyPr wrap="none" rtlCol="0">
-            <a:spAutoFit/>
-          </a:bodyPr>
-          <a:lstStyle/>
-          <a:p>
-            <a:r>
-              <a:rPr lang="fr-FR" dirty="0"/>
-              <a:t>0,N</a:t>
-            </a:r>
-          </a:p>
-        </p:txBody>
-      </p:sp>
-      <p:sp>
-        <p:nvSpPr>
-          <p:cNvPr id="144" name="ZoneTexte 143">
-            <a:extLst>
-              <a:ext uri="{FF2B5EF4-FFF2-40B4-BE49-F238E27FC236}">
-                <a16:creationId xmlns:a16="http://schemas.microsoft.com/office/drawing/2014/main" id="{C176A3FC-C4DB-4721-8232-54AFCADB47F3}"/>
-              </a:ext>
-            </a:extLst>
-          </p:cNvPr>
-          <p:cNvSpPr txBox="1"/>
-          <p:nvPr/>
-        </p:nvSpPr>
-        <p:spPr>
-          <a:xfrm>
-            <a:off x="5451985" y="2918126"/>
-            <a:ext cx="508473" cy="369332"/>
-          </a:xfrm>
-          <a:prstGeom prst="rect">
-            <a:avLst/>
-          </a:prstGeom>
-          <a:noFill/>
-        </p:spPr>
-        <p:txBody>
-          <a:bodyPr wrap="none" rtlCol="0">
-            <a:spAutoFit/>
-          </a:bodyPr>
-          <a:lstStyle/>
-          <a:p>
-            <a:r>
-              <a:rPr lang="fr-FR" dirty="0"/>
-              <a:t>0,N</a:t>
+            <a:pPr algn="ctr"/>
+            <a:r>
+              <a:rPr lang="fr-FR" sz="1400" b="1" dirty="0"/>
+              <a:t>proposer </a:t>
             </a:r>
           </a:p>
         </p:txBody>

--- a/Documents/base de données.pptx
+++ b/Documents/base de données.pptx
@@ -260,7 +260,7 @@
           <a:p>
             <a:fld id="{A9D8FF9A-B495-4C1D-BB5F-1FB9EE86129C}" type="datetimeFigureOut">
               <a:rPr lang="fr-FR" smtClean="0"/>
-              <a:t>20/03/2020</a:t>
+              <a:t>24/03/2020</a:t>
             </a:fld>
             <a:endParaRPr lang="fr-FR"/>
           </a:p>
@@ -458,7 +458,7 @@
           <a:p>
             <a:fld id="{A9D8FF9A-B495-4C1D-BB5F-1FB9EE86129C}" type="datetimeFigureOut">
               <a:rPr lang="fr-FR" smtClean="0"/>
-              <a:t>20/03/2020</a:t>
+              <a:t>24/03/2020</a:t>
             </a:fld>
             <a:endParaRPr lang="fr-FR"/>
           </a:p>
@@ -666,7 +666,7 @@
           <a:p>
             <a:fld id="{A9D8FF9A-B495-4C1D-BB5F-1FB9EE86129C}" type="datetimeFigureOut">
               <a:rPr lang="fr-FR" smtClean="0"/>
-              <a:t>20/03/2020</a:t>
+              <a:t>24/03/2020</a:t>
             </a:fld>
             <a:endParaRPr lang="fr-FR"/>
           </a:p>
@@ -864,7 +864,7 @@
           <a:p>
             <a:fld id="{A9D8FF9A-B495-4C1D-BB5F-1FB9EE86129C}" type="datetimeFigureOut">
               <a:rPr lang="fr-FR" smtClean="0"/>
-              <a:t>20/03/2020</a:t>
+              <a:t>24/03/2020</a:t>
             </a:fld>
             <a:endParaRPr lang="fr-FR"/>
           </a:p>
@@ -1139,7 +1139,7 @@
           <a:p>
             <a:fld id="{A9D8FF9A-B495-4C1D-BB5F-1FB9EE86129C}" type="datetimeFigureOut">
               <a:rPr lang="fr-FR" smtClean="0"/>
-              <a:t>20/03/2020</a:t>
+              <a:t>24/03/2020</a:t>
             </a:fld>
             <a:endParaRPr lang="fr-FR"/>
           </a:p>
@@ -1404,7 +1404,7 @@
           <a:p>
             <a:fld id="{A9D8FF9A-B495-4C1D-BB5F-1FB9EE86129C}" type="datetimeFigureOut">
               <a:rPr lang="fr-FR" smtClean="0"/>
-              <a:t>20/03/2020</a:t>
+              <a:t>24/03/2020</a:t>
             </a:fld>
             <a:endParaRPr lang="fr-FR"/>
           </a:p>
@@ -1816,7 +1816,7 @@
           <a:p>
             <a:fld id="{A9D8FF9A-B495-4C1D-BB5F-1FB9EE86129C}" type="datetimeFigureOut">
               <a:rPr lang="fr-FR" smtClean="0"/>
-              <a:t>20/03/2020</a:t>
+              <a:t>24/03/2020</a:t>
             </a:fld>
             <a:endParaRPr lang="fr-FR"/>
           </a:p>
@@ -1957,7 +1957,7 @@
           <a:p>
             <a:fld id="{A9D8FF9A-B495-4C1D-BB5F-1FB9EE86129C}" type="datetimeFigureOut">
               <a:rPr lang="fr-FR" smtClean="0"/>
-              <a:t>20/03/2020</a:t>
+              <a:t>24/03/2020</a:t>
             </a:fld>
             <a:endParaRPr lang="fr-FR"/>
           </a:p>
@@ -2070,7 +2070,7 @@
           <a:p>
             <a:fld id="{A9D8FF9A-B495-4C1D-BB5F-1FB9EE86129C}" type="datetimeFigureOut">
               <a:rPr lang="fr-FR" smtClean="0"/>
-              <a:t>20/03/2020</a:t>
+              <a:t>24/03/2020</a:t>
             </a:fld>
             <a:endParaRPr lang="fr-FR"/>
           </a:p>
@@ -2381,7 +2381,7 @@
           <a:p>
             <a:fld id="{A9D8FF9A-B495-4C1D-BB5F-1FB9EE86129C}" type="datetimeFigureOut">
               <a:rPr lang="fr-FR" smtClean="0"/>
-              <a:t>20/03/2020</a:t>
+              <a:t>24/03/2020</a:t>
             </a:fld>
             <a:endParaRPr lang="fr-FR"/>
           </a:p>
@@ -2669,7 +2669,7 @@
           <a:p>
             <a:fld id="{A9D8FF9A-B495-4C1D-BB5F-1FB9EE86129C}" type="datetimeFigureOut">
               <a:rPr lang="fr-FR" smtClean="0"/>
-              <a:t>20/03/2020</a:t>
+              <a:t>24/03/2020</a:t>
             </a:fld>
             <a:endParaRPr lang="fr-FR"/>
           </a:p>
@@ -2910,7 +2910,7 @@
           <a:p>
             <a:fld id="{A9D8FF9A-B495-4C1D-BB5F-1FB9EE86129C}" type="datetimeFigureOut">
               <a:rPr lang="fr-FR" smtClean="0"/>
-              <a:t>20/03/2020</a:t>
+              <a:t>24/03/2020</a:t>
             </a:fld>
             <a:endParaRPr lang="fr-FR"/>
           </a:p>
@@ -4547,7 +4547,7 @@
         <p:spPr>
           <a:xfrm>
             <a:off x="6656537" y="1757670"/>
-            <a:ext cx="1527245" cy="923330"/>
+            <a:ext cx="1527245" cy="1200329"/>
           </a:xfrm>
           <a:prstGeom prst="rect">
             <a:avLst/>
@@ -4583,8 +4583,16 @@
             <a:pPr algn="ctr"/>
             <a:r>
               <a:rPr lang="fr-FR" dirty="0"/>
-              <a:t>statut</a:t>
-            </a:r>
+              <a:t>Statut</a:t>
+            </a:r>
+          </a:p>
+          <a:p>
+            <a:pPr algn="ctr"/>
+            <a:r>
+              <a:rPr lang="fr-FR" dirty="0" err="1"/>
+              <a:t>aVote</a:t>
+            </a:r>
+            <a:endParaRPr lang="fr-FR" dirty="0"/>
           </a:p>
         </p:txBody>
       </p:sp>
@@ -4866,8 +4874,8 @@
         </p:nvCxnSpPr>
         <p:spPr>
           <a:xfrm flipH="1" flipV="1">
-            <a:off x="7878397" y="2649665"/>
-            <a:ext cx="602408" cy="1134306"/>
+            <a:off x="7927408" y="2987780"/>
+            <a:ext cx="553397" cy="796191"/>
           </a:xfrm>
           <a:prstGeom prst="line">
             <a:avLst/>
@@ -4991,8 +4999,8 @@
         </p:nvCxnSpPr>
         <p:spPr>
           <a:xfrm flipV="1">
-            <a:off x="6625792" y="2681000"/>
-            <a:ext cx="377741" cy="1066885"/>
+            <a:off x="6625792" y="2957999"/>
+            <a:ext cx="291376" cy="789887"/>
           </a:xfrm>
           <a:prstGeom prst="line">
             <a:avLst/>
@@ -5148,7 +5156,7 @@
         </p:nvSpPr>
         <p:spPr>
           <a:xfrm>
-            <a:off x="7980298" y="2687834"/>
+            <a:off x="8123645" y="2946979"/>
             <a:ext cx="476412" cy="369332"/>
           </a:xfrm>
           <a:prstGeom prst="rect">
@@ -5254,7 +5262,7 @@
         </p:nvSpPr>
         <p:spPr>
           <a:xfrm>
-            <a:off x="6938780" y="2697491"/>
+            <a:off x="6847758" y="2972940"/>
             <a:ext cx="476412" cy="369332"/>
           </a:xfrm>
           <a:prstGeom prst="rect">

--- a/Documents/base de données.pptx
+++ b/Documents/base de données.pptx
@@ -260,7 +260,7 @@
           <a:p>
             <a:fld id="{A9D8FF9A-B495-4C1D-BB5F-1FB9EE86129C}" type="datetimeFigureOut">
               <a:rPr lang="fr-FR" smtClean="0"/>
-              <a:t>24/03/2020</a:t>
+              <a:t>27/03/2020</a:t>
             </a:fld>
             <a:endParaRPr lang="fr-FR"/>
           </a:p>
@@ -458,7 +458,7 @@
           <a:p>
             <a:fld id="{A9D8FF9A-B495-4C1D-BB5F-1FB9EE86129C}" type="datetimeFigureOut">
               <a:rPr lang="fr-FR" smtClean="0"/>
-              <a:t>24/03/2020</a:t>
+              <a:t>27/03/2020</a:t>
             </a:fld>
             <a:endParaRPr lang="fr-FR"/>
           </a:p>
@@ -666,7 +666,7 @@
           <a:p>
             <a:fld id="{A9D8FF9A-B495-4C1D-BB5F-1FB9EE86129C}" type="datetimeFigureOut">
               <a:rPr lang="fr-FR" smtClean="0"/>
-              <a:t>24/03/2020</a:t>
+              <a:t>27/03/2020</a:t>
             </a:fld>
             <a:endParaRPr lang="fr-FR"/>
           </a:p>
@@ -864,7 +864,7 @@
           <a:p>
             <a:fld id="{A9D8FF9A-B495-4C1D-BB5F-1FB9EE86129C}" type="datetimeFigureOut">
               <a:rPr lang="fr-FR" smtClean="0"/>
-              <a:t>24/03/2020</a:t>
+              <a:t>27/03/2020</a:t>
             </a:fld>
             <a:endParaRPr lang="fr-FR"/>
           </a:p>
@@ -1139,7 +1139,7 @@
           <a:p>
             <a:fld id="{A9D8FF9A-B495-4C1D-BB5F-1FB9EE86129C}" type="datetimeFigureOut">
               <a:rPr lang="fr-FR" smtClean="0"/>
-              <a:t>24/03/2020</a:t>
+              <a:t>27/03/2020</a:t>
             </a:fld>
             <a:endParaRPr lang="fr-FR"/>
           </a:p>
@@ -1404,7 +1404,7 @@
           <a:p>
             <a:fld id="{A9D8FF9A-B495-4C1D-BB5F-1FB9EE86129C}" type="datetimeFigureOut">
               <a:rPr lang="fr-FR" smtClean="0"/>
-              <a:t>24/03/2020</a:t>
+              <a:t>27/03/2020</a:t>
             </a:fld>
             <a:endParaRPr lang="fr-FR"/>
           </a:p>
@@ -1816,7 +1816,7 @@
           <a:p>
             <a:fld id="{A9D8FF9A-B495-4C1D-BB5F-1FB9EE86129C}" type="datetimeFigureOut">
               <a:rPr lang="fr-FR" smtClean="0"/>
-              <a:t>24/03/2020</a:t>
+              <a:t>27/03/2020</a:t>
             </a:fld>
             <a:endParaRPr lang="fr-FR"/>
           </a:p>
@@ -1957,7 +1957,7 @@
           <a:p>
             <a:fld id="{A9D8FF9A-B495-4C1D-BB5F-1FB9EE86129C}" type="datetimeFigureOut">
               <a:rPr lang="fr-FR" smtClean="0"/>
-              <a:t>24/03/2020</a:t>
+              <a:t>27/03/2020</a:t>
             </a:fld>
             <a:endParaRPr lang="fr-FR"/>
           </a:p>
@@ -2070,7 +2070,7 @@
           <a:p>
             <a:fld id="{A9D8FF9A-B495-4C1D-BB5F-1FB9EE86129C}" type="datetimeFigureOut">
               <a:rPr lang="fr-FR" smtClean="0"/>
-              <a:t>24/03/2020</a:t>
+              <a:t>27/03/2020</a:t>
             </a:fld>
             <a:endParaRPr lang="fr-FR"/>
           </a:p>
@@ -2381,7 +2381,7 @@
           <a:p>
             <a:fld id="{A9D8FF9A-B495-4C1D-BB5F-1FB9EE86129C}" type="datetimeFigureOut">
               <a:rPr lang="fr-FR" smtClean="0"/>
-              <a:t>24/03/2020</a:t>
+              <a:t>27/03/2020</a:t>
             </a:fld>
             <a:endParaRPr lang="fr-FR"/>
           </a:p>
@@ -2669,7 +2669,7 @@
           <a:p>
             <a:fld id="{A9D8FF9A-B495-4C1D-BB5F-1FB9EE86129C}" type="datetimeFigureOut">
               <a:rPr lang="fr-FR" smtClean="0"/>
-              <a:t>24/03/2020</a:t>
+              <a:t>27/03/2020</a:t>
             </a:fld>
             <a:endParaRPr lang="fr-FR"/>
           </a:p>
@@ -2910,7 +2910,7 @@
           <a:p>
             <a:fld id="{A9D8FF9A-B495-4C1D-BB5F-1FB9EE86129C}" type="datetimeFigureOut">
               <a:rPr lang="fr-FR" smtClean="0"/>
-              <a:t>24/03/2020</a:t>
+              <a:t>27/03/2020</a:t>
             </a:fld>
             <a:endParaRPr lang="fr-FR"/>
           </a:p>
@@ -4547,7 +4547,7 @@
         <p:spPr>
           <a:xfrm>
             <a:off x="6656537" y="1757670"/>
-            <a:ext cx="1527245" cy="1200329"/>
+            <a:ext cx="1527245" cy="1754326"/>
           </a:xfrm>
           <a:prstGeom prst="rect">
             <a:avLst/>
@@ -4594,6 +4594,21 @@
             </a:r>
             <a:endParaRPr lang="fr-FR" dirty="0"/>
           </a:p>
+          <a:p>
+            <a:pPr algn="ctr"/>
+            <a:r>
+              <a:rPr lang="fr-FR" dirty="0"/>
+              <a:t>Participation</a:t>
+            </a:r>
+          </a:p>
+          <a:p>
+            <a:pPr algn="ctr"/>
+            <a:r>
+              <a:rPr lang="fr-FR" dirty="0" err="1"/>
+              <a:t>emailEnvoye</a:t>
+            </a:r>
+            <a:endParaRPr lang="fr-FR" dirty="0"/>
+          </a:p>
         </p:txBody>
       </p:sp>
       <p:sp>
@@ -4810,53 +4825,6 @@
           </a:fontRef>
         </p:style>
       </p:cxnSp>
-      <p:sp>
-        <p:nvSpPr>
-          <p:cNvPr id="87" name="Ellipse 86">
-            <a:extLst>
-              <a:ext uri="{FF2B5EF4-FFF2-40B4-BE49-F238E27FC236}">
-                <a16:creationId xmlns:a16="http://schemas.microsoft.com/office/drawing/2014/main" id="{F2BCCC1D-C1C3-44D9-90CE-183EAC1D3362}"/>
-              </a:ext>
-            </a:extLst>
-          </p:cNvPr>
-          <p:cNvSpPr/>
-          <p:nvPr/>
-        </p:nvSpPr>
-        <p:spPr>
-          <a:xfrm>
-            <a:off x="8274467" y="3675888"/>
-            <a:ext cx="1408961" cy="738037"/>
-          </a:xfrm>
-          <a:prstGeom prst="ellipse">
-            <a:avLst/>
-          </a:prstGeom>
-          <a:noFill/>
-        </p:spPr>
-        <p:style>
-          <a:lnRef idx="2">
-            <a:schemeClr val="accent1">
-              <a:shade val="50000"/>
-            </a:schemeClr>
-          </a:lnRef>
-          <a:fillRef idx="1">
-            <a:schemeClr val="accent1"/>
-          </a:fillRef>
-          <a:effectRef idx="0">
-            <a:schemeClr val="accent1"/>
-          </a:effectRef>
-          <a:fontRef idx="minor">
-            <a:schemeClr val="lt1"/>
-          </a:fontRef>
-        </p:style>
-        <p:txBody>
-          <a:bodyPr rtlCol="0" anchor="ctr"/>
-          <a:lstStyle/>
-          <a:p>
-            <a:pPr algn="ctr"/>
-            <a:endParaRPr lang="fr-FR"/>
-          </a:p>
-        </p:txBody>
-      </p:sp>
       <p:cxnSp>
         <p:nvCxnSpPr>
           <p:cNvPr id="88" name="Connecteur droit 87">
@@ -4874,8 +4842,8 @@
         </p:nvCxnSpPr>
         <p:spPr>
           <a:xfrm flipH="1" flipV="1">
-            <a:off x="7927408" y="2987780"/>
-            <a:ext cx="553397" cy="796191"/>
+            <a:off x="8115193" y="3511996"/>
+            <a:ext cx="297799" cy="1106961"/>
           </a:xfrm>
           <a:prstGeom prst="line">
             <a:avLst/>
@@ -4914,8 +4882,8 @@
         </p:nvCxnSpPr>
         <p:spPr>
           <a:xfrm flipV="1">
-            <a:off x="8978948" y="1228180"/>
-            <a:ext cx="1021460" cy="2447708"/>
+            <a:off x="8911135" y="1228180"/>
+            <a:ext cx="1089273" cy="3282694"/>
           </a:xfrm>
           <a:prstGeom prst="line">
             <a:avLst/>
@@ -4936,53 +4904,6 @@
           </a:fontRef>
         </p:style>
       </p:cxnSp>
-      <p:sp>
-        <p:nvSpPr>
-          <p:cNvPr id="101" name="Ellipse 100">
-            <a:extLst>
-              <a:ext uri="{FF2B5EF4-FFF2-40B4-BE49-F238E27FC236}">
-                <a16:creationId xmlns:a16="http://schemas.microsoft.com/office/drawing/2014/main" id="{3E7CDB0D-8FCD-4D3F-9C64-9B6823A6A582}"/>
-              </a:ext>
-            </a:extLst>
-          </p:cNvPr>
-          <p:cNvSpPr/>
-          <p:nvPr/>
-        </p:nvSpPr>
-        <p:spPr>
-          <a:xfrm>
-            <a:off x="5937223" y="3762827"/>
-            <a:ext cx="1408961" cy="738037"/>
-          </a:xfrm>
-          <a:prstGeom prst="ellipse">
-            <a:avLst/>
-          </a:prstGeom>
-          <a:noFill/>
-        </p:spPr>
-        <p:style>
-          <a:lnRef idx="2">
-            <a:schemeClr val="accent1">
-              <a:shade val="50000"/>
-            </a:schemeClr>
-          </a:lnRef>
-          <a:fillRef idx="1">
-            <a:schemeClr val="accent1"/>
-          </a:fillRef>
-          <a:effectRef idx="0">
-            <a:schemeClr val="accent1"/>
-          </a:effectRef>
-          <a:fontRef idx="minor">
-            <a:schemeClr val="lt1"/>
-          </a:fontRef>
-        </p:style>
-        <p:txBody>
-          <a:bodyPr rtlCol="0" anchor="ctr"/>
-          <a:lstStyle/>
-          <a:p>
-            <a:pPr algn="ctr"/>
-            <a:endParaRPr lang="fr-FR"/>
-          </a:p>
-        </p:txBody>
-      </p:sp>
       <p:cxnSp>
         <p:nvCxnSpPr>
           <p:cNvPr id="102" name="Connecteur droit 101">
@@ -4994,13 +4915,14 @@
           </p:cNvPr>
           <p:cNvCxnSpPr>
             <a:cxnSpLocks/>
+            <a:stCxn id="101" idx="0"/>
           </p:cNvCxnSpPr>
           <p:nvPr/>
         </p:nvCxnSpPr>
         <p:spPr>
           <a:xfrm flipV="1">
-            <a:off x="6625792" y="2957999"/>
-            <a:ext cx="291376" cy="789887"/>
+            <a:off x="6706232" y="3515729"/>
+            <a:ext cx="141526" cy="1105125"/>
           </a:xfrm>
           <a:prstGeom prst="line">
             <a:avLst/>
@@ -5040,7 +4962,7 @@
         <p:spPr>
           <a:xfrm flipH="1" flipV="1">
             <a:off x="5049067" y="4125105"/>
-            <a:ext cx="888156" cy="6741"/>
+            <a:ext cx="952684" cy="864768"/>
           </a:xfrm>
           <a:prstGeom prst="line">
             <a:avLst/>
@@ -5106,12 +5028,116 @@
           </a:p>
         </p:txBody>
       </p:sp>
-      <p:sp>
-        <p:nvSpPr>
-          <p:cNvPr id="114" name="ZoneTexte 113">
-            <a:extLst>
-              <a:ext uri="{FF2B5EF4-FFF2-40B4-BE49-F238E27FC236}">
-                <a16:creationId xmlns:a16="http://schemas.microsoft.com/office/drawing/2014/main" id="{3000F4C6-A384-41AA-9AB4-5BEC56DA5E6B}"/>
+      <p:grpSp>
+        <p:nvGrpSpPr>
+          <p:cNvPr id="12" name="Groupe 11">
+            <a:extLst>
+              <a:ext uri="{FF2B5EF4-FFF2-40B4-BE49-F238E27FC236}">
+                <a16:creationId xmlns:a16="http://schemas.microsoft.com/office/drawing/2014/main" id="{4531EFA8-CCA0-4F60-A708-2A63CC0E64D7}"/>
+              </a:ext>
+            </a:extLst>
+          </p:cNvPr>
+          <p:cNvGrpSpPr/>
+          <p:nvPr/>
+        </p:nvGrpSpPr>
+        <p:grpSpPr>
+          <a:xfrm>
+            <a:off x="8206654" y="4510874"/>
+            <a:ext cx="1408961" cy="738037"/>
+            <a:chOff x="8274467" y="3675888"/>
+            <a:chExt cx="1408961" cy="738037"/>
+          </a:xfrm>
+        </p:grpSpPr>
+        <p:sp>
+          <p:nvSpPr>
+            <p:cNvPr id="87" name="Ellipse 86">
+              <a:extLst>
+                <a:ext uri="{FF2B5EF4-FFF2-40B4-BE49-F238E27FC236}">
+                  <a16:creationId xmlns:a16="http://schemas.microsoft.com/office/drawing/2014/main" id="{F2BCCC1D-C1C3-44D9-90CE-183EAC1D3362}"/>
+                </a:ext>
+              </a:extLst>
+            </p:cNvPr>
+            <p:cNvSpPr/>
+            <p:nvPr/>
+          </p:nvSpPr>
+          <p:spPr>
+            <a:xfrm>
+              <a:off x="8274467" y="3675888"/>
+              <a:ext cx="1408961" cy="738037"/>
+            </a:xfrm>
+            <a:prstGeom prst="ellipse">
+              <a:avLst/>
+            </a:prstGeom>
+            <a:noFill/>
+          </p:spPr>
+          <p:style>
+            <a:lnRef idx="2">
+              <a:schemeClr val="accent1">
+                <a:shade val="50000"/>
+              </a:schemeClr>
+            </a:lnRef>
+            <a:fillRef idx="1">
+              <a:schemeClr val="accent1"/>
+            </a:fillRef>
+            <a:effectRef idx="0">
+              <a:schemeClr val="accent1"/>
+            </a:effectRef>
+            <a:fontRef idx="minor">
+              <a:schemeClr val="lt1"/>
+            </a:fontRef>
+          </p:style>
+          <p:txBody>
+            <a:bodyPr rtlCol="0" anchor="ctr"/>
+            <a:lstStyle/>
+            <a:p>
+              <a:pPr algn="ctr"/>
+              <a:endParaRPr lang="fr-FR"/>
+            </a:p>
+          </p:txBody>
+        </p:sp>
+        <p:sp>
+          <p:nvSpPr>
+            <p:cNvPr id="114" name="ZoneTexte 113">
+              <a:extLst>
+                <a:ext uri="{FF2B5EF4-FFF2-40B4-BE49-F238E27FC236}">
+                  <a16:creationId xmlns:a16="http://schemas.microsoft.com/office/drawing/2014/main" id="{3000F4C6-A384-41AA-9AB4-5BEC56DA5E6B}"/>
+                </a:ext>
+              </a:extLst>
+            </p:cNvPr>
+            <p:cNvSpPr txBox="1"/>
+            <p:nvPr/>
+          </p:nvSpPr>
+          <p:spPr>
+            <a:xfrm>
+              <a:off x="8444627" y="3864294"/>
+              <a:ext cx="1068642" cy="307777"/>
+            </a:xfrm>
+            <a:prstGeom prst="rect">
+              <a:avLst/>
+            </a:prstGeom>
+            <a:noFill/>
+          </p:spPr>
+          <p:txBody>
+            <a:bodyPr wrap="square" rtlCol="0">
+              <a:spAutoFit/>
+            </a:bodyPr>
+            <a:lstStyle/>
+            <a:p>
+              <a:pPr algn="ctr"/>
+              <a:r>
+                <a:rPr lang="fr-FR" sz="1400" b="1" dirty="0"/>
+                <a:t>Est un </a:t>
+              </a:r>
+            </a:p>
+          </p:txBody>
+        </p:sp>
+      </p:grpSp>
+      <p:sp>
+        <p:nvSpPr>
+          <p:cNvPr id="115" name="ZoneTexte 114">
+            <a:extLst>
+              <a:ext uri="{FF2B5EF4-FFF2-40B4-BE49-F238E27FC236}">
+                <a16:creationId xmlns:a16="http://schemas.microsoft.com/office/drawing/2014/main" id="{687F2265-42A9-4C7F-AA0D-1EC3CFC18B36}"/>
               </a:ext>
             </a:extLst>
           </p:cNvPr>
@@ -5120,8 +5146,8 @@
         </p:nvSpPr>
         <p:spPr>
           <a:xfrm>
-            <a:off x="8444627" y="3864294"/>
-            <a:ext cx="1068642" cy="307777"/>
+            <a:off x="8129748" y="3515736"/>
+            <a:ext cx="476412" cy="369332"/>
           </a:xfrm>
           <a:prstGeom prst="rect">
             <a:avLst/>
@@ -5129,25 +5155,128 @@
           <a:noFill/>
         </p:spPr>
         <p:txBody>
-          <a:bodyPr wrap="square" rtlCol="0">
+          <a:bodyPr wrap="none" rtlCol="0">
             <a:spAutoFit/>
           </a:bodyPr>
           <a:lstStyle/>
           <a:p>
-            <a:pPr algn="ctr"/>
-            <a:r>
-              <a:rPr lang="fr-FR" sz="1400" b="1" dirty="0"/>
-              <a:t>Est un </a:t>
-            </a:r>
-          </a:p>
-        </p:txBody>
-      </p:sp>
-      <p:sp>
-        <p:nvSpPr>
-          <p:cNvPr id="115" name="ZoneTexte 114">
-            <a:extLst>
-              <a:ext uri="{FF2B5EF4-FFF2-40B4-BE49-F238E27FC236}">
-                <a16:creationId xmlns:a16="http://schemas.microsoft.com/office/drawing/2014/main" id="{687F2265-42A9-4C7F-AA0D-1EC3CFC18B36}"/>
+            <a:r>
+              <a:rPr lang="fr-FR" dirty="0"/>
+              <a:t>0,1</a:t>
+            </a:r>
+          </a:p>
+        </p:txBody>
+      </p:sp>
+      <p:grpSp>
+        <p:nvGrpSpPr>
+          <p:cNvPr id="2" name="Groupe 1">
+            <a:extLst>
+              <a:ext uri="{FF2B5EF4-FFF2-40B4-BE49-F238E27FC236}">
+                <a16:creationId xmlns:a16="http://schemas.microsoft.com/office/drawing/2014/main" id="{C382DA7D-40D0-47BC-B0BC-04EE9D229245}"/>
+              </a:ext>
+            </a:extLst>
+          </p:cNvPr>
+          <p:cNvGrpSpPr/>
+          <p:nvPr/>
+        </p:nvGrpSpPr>
+        <p:grpSpPr>
+          <a:xfrm>
+            <a:off x="6001751" y="4620854"/>
+            <a:ext cx="1408961" cy="738037"/>
+            <a:chOff x="5937223" y="3762827"/>
+            <a:chExt cx="1408961" cy="738037"/>
+          </a:xfrm>
+        </p:grpSpPr>
+        <p:sp>
+          <p:nvSpPr>
+            <p:cNvPr id="101" name="Ellipse 100">
+              <a:extLst>
+                <a:ext uri="{FF2B5EF4-FFF2-40B4-BE49-F238E27FC236}">
+                  <a16:creationId xmlns:a16="http://schemas.microsoft.com/office/drawing/2014/main" id="{3E7CDB0D-8FCD-4D3F-9C64-9B6823A6A582}"/>
+                </a:ext>
+              </a:extLst>
+            </p:cNvPr>
+            <p:cNvSpPr/>
+            <p:nvPr/>
+          </p:nvSpPr>
+          <p:spPr>
+            <a:xfrm>
+              <a:off x="5937223" y="3762827"/>
+              <a:ext cx="1408961" cy="738037"/>
+            </a:xfrm>
+            <a:prstGeom prst="ellipse">
+              <a:avLst/>
+            </a:prstGeom>
+            <a:noFill/>
+          </p:spPr>
+          <p:style>
+            <a:lnRef idx="2">
+              <a:schemeClr val="accent1">
+                <a:shade val="50000"/>
+              </a:schemeClr>
+            </a:lnRef>
+            <a:fillRef idx="1">
+              <a:schemeClr val="accent1"/>
+            </a:fillRef>
+            <a:effectRef idx="0">
+              <a:schemeClr val="accent1"/>
+            </a:effectRef>
+            <a:fontRef idx="minor">
+              <a:schemeClr val="lt1"/>
+            </a:fontRef>
+          </p:style>
+          <p:txBody>
+            <a:bodyPr rtlCol="0" anchor="ctr"/>
+            <a:lstStyle/>
+            <a:p>
+              <a:pPr algn="ctr"/>
+              <a:endParaRPr lang="fr-FR"/>
+            </a:p>
+          </p:txBody>
+        </p:sp>
+        <p:sp>
+          <p:nvSpPr>
+            <p:cNvPr id="116" name="ZoneTexte 115">
+              <a:extLst>
+                <a:ext uri="{FF2B5EF4-FFF2-40B4-BE49-F238E27FC236}">
+                  <a16:creationId xmlns:a16="http://schemas.microsoft.com/office/drawing/2014/main" id="{BA729DC9-FCDC-44DA-AD93-DBDEA06CE226}"/>
+                </a:ext>
+              </a:extLst>
+            </p:cNvPr>
+            <p:cNvSpPr txBox="1"/>
+            <p:nvPr/>
+          </p:nvSpPr>
+          <p:spPr>
+            <a:xfrm>
+              <a:off x="6107382" y="3977956"/>
+              <a:ext cx="1068642" cy="307777"/>
+            </a:xfrm>
+            <a:prstGeom prst="rect">
+              <a:avLst/>
+            </a:prstGeom>
+            <a:noFill/>
+          </p:spPr>
+          <p:txBody>
+            <a:bodyPr wrap="square" rtlCol="0">
+              <a:spAutoFit/>
+            </a:bodyPr>
+            <a:lstStyle/>
+            <a:p>
+              <a:pPr algn="ctr"/>
+              <a:r>
+                <a:rPr lang="fr-FR" sz="1400" b="1" dirty="0"/>
+                <a:t>Participer </a:t>
+              </a:r>
+            </a:p>
+          </p:txBody>
+        </p:sp>
+      </p:grpSp>
+      <p:sp>
+        <p:nvSpPr>
+          <p:cNvPr id="118" name="ZoneTexte 117">
+            <a:extLst>
+              <a:ext uri="{FF2B5EF4-FFF2-40B4-BE49-F238E27FC236}">
+                <a16:creationId xmlns:a16="http://schemas.microsoft.com/office/drawing/2014/main" id="{0C191456-CFF5-48B7-88E3-B631A8BEFE36}"/>
               </a:ext>
             </a:extLst>
           </p:cNvPr>
@@ -5156,8 +5285,8 @@
         </p:nvSpPr>
         <p:spPr>
           <a:xfrm>
-            <a:off x="8123645" y="2946979"/>
-            <a:ext cx="476412" cy="369332"/>
+            <a:off x="5017369" y="4123920"/>
+            <a:ext cx="508473" cy="369332"/>
           </a:xfrm>
           <a:prstGeom prst="rect">
             <a:avLst/>
@@ -5172,17 +5301,17 @@
           <a:p>
             <a:r>
               <a:rPr lang="fr-FR" dirty="0"/>
-              <a:t>0,1</a:t>
-            </a:r>
-          </a:p>
-        </p:txBody>
-      </p:sp>
-      <p:sp>
-        <p:nvSpPr>
-          <p:cNvPr id="116" name="ZoneTexte 115">
-            <a:extLst>
-              <a:ext uri="{FF2B5EF4-FFF2-40B4-BE49-F238E27FC236}">
-                <a16:creationId xmlns:a16="http://schemas.microsoft.com/office/drawing/2014/main" id="{BA729DC9-FCDC-44DA-AD93-DBDEA06CE226}"/>
+              <a:t>0,N</a:t>
+            </a:r>
+          </a:p>
+        </p:txBody>
+      </p:sp>
+      <p:sp>
+        <p:nvSpPr>
+          <p:cNvPr id="119" name="ZoneTexte 118">
+            <a:extLst>
+              <a:ext uri="{FF2B5EF4-FFF2-40B4-BE49-F238E27FC236}">
+                <a16:creationId xmlns:a16="http://schemas.microsoft.com/office/drawing/2014/main" id="{A8D30285-CC6D-4C97-AEF2-4D26C3D619BB}"/>
               </a:ext>
             </a:extLst>
           </p:cNvPr>
@@ -5191,78 +5320,7 @@
         </p:nvSpPr>
         <p:spPr>
           <a:xfrm>
-            <a:off x="6107382" y="3977956"/>
-            <a:ext cx="1068642" cy="307777"/>
-          </a:xfrm>
-          <a:prstGeom prst="rect">
-            <a:avLst/>
-          </a:prstGeom>
-          <a:noFill/>
-        </p:spPr>
-        <p:txBody>
-          <a:bodyPr wrap="square" rtlCol="0">
-            <a:spAutoFit/>
-          </a:bodyPr>
-          <a:lstStyle/>
-          <a:p>
-            <a:pPr algn="ctr"/>
-            <a:r>
-              <a:rPr lang="fr-FR" sz="1400" b="1" dirty="0"/>
-              <a:t>Participer </a:t>
-            </a:r>
-          </a:p>
-        </p:txBody>
-      </p:sp>
-      <p:sp>
-        <p:nvSpPr>
-          <p:cNvPr id="118" name="ZoneTexte 117">
-            <a:extLst>
-              <a:ext uri="{FF2B5EF4-FFF2-40B4-BE49-F238E27FC236}">
-                <a16:creationId xmlns:a16="http://schemas.microsoft.com/office/drawing/2014/main" id="{0C191456-CFF5-48B7-88E3-B631A8BEFE36}"/>
-              </a:ext>
-            </a:extLst>
-          </p:cNvPr>
-          <p:cNvSpPr txBox="1"/>
-          <p:nvPr/>
-        </p:nvSpPr>
-        <p:spPr>
-          <a:xfrm>
-            <a:off x="5017369" y="4123920"/>
-            <a:ext cx="508473" cy="369332"/>
-          </a:xfrm>
-          <a:prstGeom prst="rect">
-            <a:avLst/>
-          </a:prstGeom>
-          <a:noFill/>
-        </p:spPr>
-        <p:txBody>
-          <a:bodyPr wrap="none" rtlCol="0">
-            <a:spAutoFit/>
-          </a:bodyPr>
-          <a:lstStyle/>
-          <a:p>
-            <a:r>
-              <a:rPr lang="fr-FR" dirty="0"/>
-              <a:t>0,N</a:t>
-            </a:r>
-          </a:p>
-        </p:txBody>
-      </p:sp>
-      <p:sp>
-        <p:nvSpPr>
-          <p:cNvPr id="119" name="ZoneTexte 118">
-            <a:extLst>
-              <a:ext uri="{FF2B5EF4-FFF2-40B4-BE49-F238E27FC236}">
-                <a16:creationId xmlns:a16="http://schemas.microsoft.com/office/drawing/2014/main" id="{A8D30285-CC6D-4C97-AEF2-4D26C3D619BB}"/>
-              </a:ext>
-            </a:extLst>
-          </p:cNvPr>
-          <p:cNvSpPr txBox="1"/>
-          <p:nvPr/>
-        </p:nvSpPr>
-        <p:spPr>
-          <a:xfrm>
-            <a:off x="6847758" y="2972940"/>
+            <a:off x="6832996" y="3603703"/>
             <a:ext cx="476412" cy="369332"/>
           </a:xfrm>
           <a:prstGeom prst="rect">

--- a/Documents/base de données.pptx
+++ b/Documents/base de données.pptx
@@ -260,7 +260,7 @@
           <a:p>
             <a:fld id="{A9D8FF9A-B495-4C1D-BB5F-1FB9EE86129C}" type="datetimeFigureOut">
               <a:rPr lang="fr-FR" smtClean="0"/>
-              <a:t>27/03/2020</a:t>
+              <a:t>29/03/2020</a:t>
             </a:fld>
             <a:endParaRPr lang="fr-FR"/>
           </a:p>
@@ -458,7 +458,7 @@
           <a:p>
             <a:fld id="{A9D8FF9A-B495-4C1D-BB5F-1FB9EE86129C}" type="datetimeFigureOut">
               <a:rPr lang="fr-FR" smtClean="0"/>
-              <a:t>27/03/2020</a:t>
+              <a:t>29/03/2020</a:t>
             </a:fld>
             <a:endParaRPr lang="fr-FR"/>
           </a:p>
@@ -666,7 +666,7 @@
           <a:p>
             <a:fld id="{A9D8FF9A-B495-4C1D-BB5F-1FB9EE86129C}" type="datetimeFigureOut">
               <a:rPr lang="fr-FR" smtClean="0"/>
-              <a:t>27/03/2020</a:t>
+              <a:t>29/03/2020</a:t>
             </a:fld>
             <a:endParaRPr lang="fr-FR"/>
           </a:p>
@@ -864,7 +864,7 @@
           <a:p>
             <a:fld id="{A9D8FF9A-B495-4C1D-BB5F-1FB9EE86129C}" type="datetimeFigureOut">
               <a:rPr lang="fr-FR" smtClean="0"/>
-              <a:t>27/03/2020</a:t>
+              <a:t>29/03/2020</a:t>
             </a:fld>
             <a:endParaRPr lang="fr-FR"/>
           </a:p>
@@ -1139,7 +1139,7 @@
           <a:p>
             <a:fld id="{A9D8FF9A-B495-4C1D-BB5F-1FB9EE86129C}" type="datetimeFigureOut">
               <a:rPr lang="fr-FR" smtClean="0"/>
-              <a:t>27/03/2020</a:t>
+              <a:t>29/03/2020</a:t>
             </a:fld>
             <a:endParaRPr lang="fr-FR"/>
           </a:p>
@@ -1404,7 +1404,7 @@
           <a:p>
             <a:fld id="{A9D8FF9A-B495-4C1D-BB5F-1FB9EE86129C}" type="datetimeFigureOut">
               <a:rPr lang="fr-FR" smtClean="0"/>
-              <a:t>27/03/2020</a:t>
+              <a:t>29/03/2020</a:t>
             </a:fld>
             <a:endParaRPr lang="fr-FR"/>
           </a:p>
@@ -1816,7 +1816,7 @@
           <a:p>
             <a:fld id="{A9D8FF9A-B495-4C1D-BB5F-1FB9EE86129C}" type="datetimeFigureOut">
               <a:rPr lang="fr-FR" smtClean="0"/>
-              <a:t>27/03/2020</a:t>
+              <a:t>29/03/2020</a:t>
             </a:fld>
             <a:endParaRPr lang="fr-FR"/>
           </a:p>
@@ -1957,7 +1957,7 @@
           <a:p>
             <a:fld id="{A9D8FF9A-B495-4C1D-BB5F-1FB9EE86129C}" type="datetimeFigureOut">
               <a:rPr lang="fr-FR" smtClean="0"/>
-              <a:t>27/03/2020</a:t>
+              <a:t>29/03/2020</a:t>
             </a:fld>
             <a:endParaRPr lang="fr-FR"/>
           </a:p>
@@ -2070,7 +2070,7 @@
           <a:p>
             <a:fld id="{A9D8FF9A-B495-4C1D-BB5F-1FB9EE86129C}" type="datetimeFigureOut">
               <a:rPr lang="fr-FR" smtClean="0"/>
-              <a:t>27/03/2020</a:t>
+              <a:t>29/03/2020</a:t>
             </a:fld>
             <a:endParaRPr lang="fr-FR"/>
           </a:p>
@@ -2381,7 +2381,7 @@
           <a:p>
             <a:fld id="{A9D8FF9A-B495-4C1D-BB5F-1FB9EE86129C}" type="datetimeFigureOut">
               <a:rPr lang="fr-FR" smtClean="0"/>
-              <a:t>27/03/2020</a:t>
+              <a:t>29/03/2020</a:t>
             </a:fld>
             <a:endParaRPr lang="fr-FR"/>
           </a:p>
@@ -2669,7 +2669,7 @@
           <a:p>
             <a:fld id="{A9D8FF9A-B495-4C1D-BB5F-1FB9EE86129C}" type="datetimeFigureOut">
               <a:rPr lang="fr-FR" smtClean="0"/>
-              <a:t>27/03/2020</a:t>
+              <a:t>29/03/2020</a:t>
             </a:fld>
             <a:endParaRPr lang="fr-FR"/>
           </a:p>
@@ -2910,7 +2910,7 @@
           <a:p>
             <a:fld id="{A9D8FF9A-B495-4C1D-BB5F-1FB9EE86129C}" type="datetimeFigureOut">
               <a:rPr lang="fr-FR" smtClean="0"/>
-              <a:t>27/03/2020</a:t>
+              <a:t>29/03/2020</a:t>
             </a:fld>
             <a:endParaRPr lang="fr-FR"/>
           </a:p>
@@ -5285,7 +5285,7 @@
         </p:nvSpPr>
         <p:spPr>
           <a:xfrm>
-            <a:off x="5017369" y="4123920"/>
+            <a:off x="5064361" y="3859604"/>
             <a:ext cx="508473" cy="369332"/>
           </a:xfrm>
           <a:prstGeom prst="rect">
@@ -5478,6 +5478,258 @@
             <a:r>
               <a:rPr lang="fr-FR" sz="1400" b="1" dirty="0"/>
               <a:t>proposer </a:t>
+            </a:r>
+          </a:p>
+        </p:txBody>
+      </p:sp>
+      <p:grpSp>
+        <p:nvGrpSpPr>
+          <p:cNvPr id="54" name="Groupe 53">
+            <a:extLst>
+              <a:ext uri="{FF2B5EF4-FFF2-40B4-BE49-F238E27FC236}">
+                <a16:creationId xmlns:a16="http://schemas.microsoft.com/office/drawing/2014/main" id="{4376ED07-4008-4BFB-B4B7-E55A40863163}"/>
+              </a:ext>
+            </a:extLst>
+          </p:cNvPr>
+          <p:cNvGrpSpPr/>
+          <p:nvPr/>
+        </p:nvGrpSpPr>
+        <p:grpSpPr>
+          <a:xfrm>
+            <a:off x="6661114" y="5740434"/>
+            <a:ext cx="1408961" cy="738037"/>
+            <a:chOff x="5937223" y="3762827"/>
+            <a:chExt cx="1408961" cy="738037"/>
+          </a:xfrm>
+        </p:grpSpPr>
+        <p:sp>
+          <p:nvSpPr>
+            <p:cNvPr id="56" name="Ellipse 55">
+              <a:extLst>
+                <a:ext uri="{FF2B5EF4-FFF2-40B4-BE49-F238E27FC236}">
+                  <a16:creationId xmlns:a16="http://schemas.microsoft.com/office/drawing/2014/main" id="{D329E916-A5F3-4A74-AF05-A23E5B1276BA}"/>
+                </a:ext>
+              </a:extLst>
+            </p:cNvPr>
+            <p:cNvSpPr/>
+            <p:nvPr/>
+          </p:nvSpPr>
+          <p:spPr>
+            <a:xfrm>
+              <a:off x="5937223" y="3762827"/>
+              <a:ext cx="1408961" cy="738037"/>
+            </a:xfrm>
+            <a:prstGeom prst="ellipse">
+              <a:avLst/>
+            </a:prstGeom>
+            <a:noFill/>
+          </p:spPr>
+          <p:style>
+            <a:lnRef idx="2">
+              <a:schemeClr val="accent1">
+                <a:shade val="50000"/>
+              </a:schemeClr>
+            </a:lnRef>
+            <a:fillRef idx="1">
+              <a:schemeClr val="accent1"/>
+            </a:fillRef>
+            <a:effectRef idx="0">
+              <a:schemeClr val="accent1"/>
+            </a:effectRef>
+            <a:fontRef idx="minor">
+              <a:schemeClr val="lt1"/>
+            </a:fontRef>
+          </p:style>
+          <p:txBody>
+            <a:bodyPr rtlCol="0" anchor="ctr"/>
+            <a:lstStyle/>
+            <a:p>
+              <a:pPr algn="ctr"/>
+              <a:endParaRPr lang="fr-FR"/>
+            </a:p>
+          </p:txBody>
+        </p:sp>
+        <p:sp>
+          <p:nvSpPr>
+            <p:cNvPr id="57" name="ZoneTexte 56">
+              <a:extLst>
+                <a:ext uri="{FF2B5EF4-FFF2-40B4-BE49-F238E27FC236}">
+                  <a16:creationId xmlns:a16="http://schemas.microsoft.com/office/drawing/2014/main" id="{7A44A20F-4BEF-4521-A9D5-0DC0AC740EF0}"/>
+                </a:ext>
+              </a:extLst>
+            </p:cNvPr>
+            <p:cNvSpPr txBox="1"/>
+            <p:nvPr/>
+          </p:nvSpPr>
+          <p:spPr>
+            <a:xfrm>
+              <a:off x="6107382" y="3977956"/>
+              <a:ext cx="1068642" cy="307777"/>
+            </a:xfrm>
+            <a:prstGeom prst="rect">
+              <a:avLst/>
+            </a:prstGeom>
+            <a:noFill/>
+          </p:spPr>
+          <p:txBody>
+            <a:bodyPr wrap="square" rtlCol="0">
+              <a:spAutoFit/>
+            </a:bodyPr>
+            <a:lstStyle/>
+            <a:p>
+              <a:pPr algn="ctr"/>
+              <a:r>
+                <a:rPr lang="fr-FR" sz="1400" b="1" dirty="0"/>
+                <a:t>ajouter </a:t>
+              </a:r>
+            </a:p>
+          </p:txBody>
+        </p:sp>
+      </p:grpSp>
+      <p:cxnSp>
+        <p:nvCxnSpPr>
+          <p:cNvPr id="59" name="Connecteur droit 58">
+            <a:extLst>
+              <a:ext uri="{FF2B5EF4-FFF2-40B4-BE49-F238E27FC236}">
+                <a16:creationId xmlns:a16="http://schemas.microsoft.com/office/drawing/2014/main" id="{D8CC7089-0C4A-4353-9B3A-8683EB3BBCAA}"/>
+              </a:ext>
+            </a:extLst>
+          </p:cNvPr>
+          <p:cNvCxnSpPr>
+            <a:cxnSpLocks/>
+            <a:endCxn id="6" idx="1"/>
+          </p:cNvCxnSpPr>
+          <p:nvPr/>
+        </p:nvCxnSpPr>
+        <p:spPr>
+          <a:xfrm flipV="1">
+            <a:off x="8087629" y="5962520"/>
+            <a:ext cx="2197148" cy="137990"/>
+          </a:xfrm>
+          <a:prstGeom prst="line">
+            <a:avLst/>
+          </a:prstGeom>
+        </p:spPr>
+        <p:style>
+          <a:lnRef idx="1">
+            <a:schemeClr val="accent1"/>
+          </a:lnRef>
+          <a:fillRef idx="0">
+            <a:schemeClr val="accent1"/>
+          </a:fillRef>
+          <a:effectRef idx="0">
+            <a:schemeClr val="accent1"/>
+          </a:effectRef>
+          <a:fontRef idx="minor">
+            <a:schemeClr val="tx1"/>
+          </a:fontRef>
+        </p:style>
+      </p:cxnSp>
+      <p:cxnSp>
+        <p:nvCxnSpPr>
+          <p:cNvPr id="60" name="Connecteur droit 59">
+            <a:extLst>
+              <a:ext uri="{FF2B5EF4-FFF2-40B4-BE49-F238E27FC236}">
+                <a16:creationId xmlns:a16="http://schemas.microsoft.com/office/drawing/2014/main" id="{D59B3267-F2B3-42C4-A7D4-171BC7DC3F89}"/>
+              </a:ext>
+            </a:extLst>
+          </p:cNvPr>
+          <p:cNvCxnSpPr>
+            <a:cxnSpLocks/>
+            <a:endCxn id="56" idx="2"/>
+          </p:cNvCxnSpPr>
+          <p:nvPr/>
+        </p:nvCxnSpPr>
+        <p:spPr>
+          <a:xfrm>
+            <a:off x="5049067" y="4576543"/>
+            <a:ext cx="1612047" cy="1532910"/>
+          </a:xfrm>
+          <a:prstGeom prst="line">
+            <a:avLst/>
+          </a:prstGeom>
+        </p:spPr>
+        <p:style>
+          <a:lnRef idx="1">
+            <a:schemeClr val="accent1"/>
+          </a:lnRef>
+          <a:fillRef idx="0">
+            <a:schemeClr val="accent1"/>
+          </a:fillRef>
+          <a:effectRef idx="0">
+            <a:schemeClr val="accent1"/>
+          </a:effectRef>
+          <a:fontRef idx="minor">
+            <a:schemeClr val="tx1"/>
+          </a:fontRef>
+        </p:style>
+      </p:cxnSp>
+      <p:sp>
+        <p:nvSpPr>
+          <p:cNvPr id="62" name="ZoneTexte 61">
+            <a:extLst>
+              <a:ext uri="{FF2B5EF4-FFF2-40B4-BE49-F238E27FC236}">
+                <a16:creationId xmlns:a16="http://schemas.microsoft.com/office/drawing/2014/main" id="{830B0765-95B0-4A68-A3C2-3B9E6E59E17B}"/>
+              </a:ext>
+            </a:extLst>
+          </p:cNvPr>
+          <p:cNvSpPr txBox="1"/>
+          <p:nvPr/>
+        </p:nvSpPr>
+        <p:spPr>
+          <a:xfrm>
+            <a:off x="4684622" y="4578805"/>
+            <a:ext cx="508473" cy="369332"/>
+          </a:xfrm>
+          <a:prstGeom prst="rect">
+            <a:avLst/>
+          </a:prstGeom>
+          <a:noFill/>
+        </p:spPr>
+        <p:txBody>
+          <a:bodyPr wrap="none" rtlCol="0">
+            <a:spAutoFit/>
+          </a:bodyPr>
+          <a:lstStyle/>
+          <a:p>
+            <a:r>
+              <a:rPr lang="fr-FR" dirty="0"/>
+              <a:t>0,N</a:t>
+            </a:r>
+          </a:p>
+        </p:txBody>
+      </p:sp>
+      <p:sp>
+        <p:nvSpPr>
+          <p:cNvPr id="63" name="ZoneTexte 62">
+            <a:extLst>
+              <a:ext uri="{FF2B5EF4-FFF2-40B4-BE49-F238E27FC236}">
+                <a16:creationId xmlns:a16="http://schemas.microsoft.com/office/drawing/2014/main" id="{0D994C40-8E8D-4BF6-BFE3-F8800F636A57}"/>
+              </a:ext>
+            </a:extLst>
+          </p:cNvPr>
+          <p:cNvSpPr txBox="1"/>
+          <p:nvPr/>
+        </p:nvSpPr>
+        <p:spPr>
+          <a:xfrm>
+            <a:off x="9793858" y="5638845"/>
+            <a:ext cx="508473" cy="369332"/>
+          </a:xfrm>
+          <a:prstGeom prst="rect">
+            <a:avLst/>
+          </a:prstGeom>
+          <a:noFill/>
+        </p:spPr>
+        <p:txBody>
+          <a:bodyPr wrap="none" rtlCol="0">
+            <a:spAutoFit/>
+          </a:bodyPr>
+          <a:lstStyle/>
+          <a:p>
+            <a:r>
+              <a:rPr lang="fr-FR" dirty="0"/>
+              <a:t>0,N</a:t>
             </a:r>
           </a:p>
         </p:txBody>

--- a/Documents/base de données.pptx
+++ b/Documents/base de données.pptx
@@ -260,7 +260,7 @@
           <a:p>
             <a:fld id="{A9D8FF9A-B495-4C1D-BB5F-1FB9EE86129C}" type="datetimeFigureOut">
               <a:rPr lang="fr-FR" smtClean="0"/>
-              <a:t>29/03/2020</a:t>
+              <a:t>31/03/2020</a:t>
             </a:fld>
             <a:endParaRPr lang="fr-FR"/>
           </a:p>
@@ -458,7 +458,7 @@
           <a:p>
             <a:fld id="{A9D8FF9A-B495-4C1D-BB5F-1FB9EE86129C}" type="datetimeFigureOut">
               <a:rPr lang="fr-FR" smtClean="0"/>
-              <a:t>29/03/2020</a:t>
+              <a:t>31/03/2020</a:t>
             </a:fld>
             <a:endParaRPr lang="fr-FR"/>
           </a:p>
@@ -666,7 +666,7 @@
           <a:p>
             <a:fld id="{A9D8FF9A-B495-4C1D-BB5F-1FB9EE86129C}" type="datetimeFigureOut">
               <a:rPr lang="fr-FR" smtClean="0"/>
-              <a:t>29/03/2020</a:t>
+              <a:t>31/03/2020</a:t>
             </a:fld>
             <a:endParaRPr lang="fr-FR"/>
           </a:p>
@@ -864,7 +864,7 @@
           <a:p>
             <a:fld id="{A9D8FF9A-B495-4C1D-BB5F-1FB9EE86129C}" type="datetimeFigureOut">
               <a:rPr lang="fr-FR" smtClean="0"/>
-              <a:t>29/03/2020</a:t>
+              <a:t>31/03/2020</a:t>
             </a:fld>
             <a:endParaRPr lang="fr-FR"/>
           </a:p>
@@ -1139,7 +1139,7 @@
           <a:p>
             <a:fld id="{A9D8FF9A-B495-4C1D-BB5F-1FB9EE86129C}" type="datetimeFigureOut">
               <a:rPr lang="fr-FR" smtClean="0"/>
-              <a:t>29/03/2020</a:t>
+              <a:t>31/03/2020</a:t>
             </a:fld>
             <a:endParaRPr lang="fr-FR"/>
           </a:p>
@@ -1404,7 +1404,7 @@
           <a:p>
             <a:fld id="{A9D8FF9A-B495-4C1D-BB5F-1FB9EE86129C}" type="datetimeFigureOut">
               <a:rPr lang="fr-FR" smtClean="0"/>
-              <a:t>29/03/2020</a:t>
+              <a:t>31/03/2020</a:t>
             </a:fld>
             <a:endParaRPr lang="fr-FR"/>
           </a:p>
@@ -1816,7 +1816,7 @@
           <a:p>
             <a:fld id="{A9D8FF9A-B495-4C1D-BB5F-1FB9EE86129C}" type="datetimeFigureOut">
               <a:rPr lang="fr-FR" smtClean="0"/>
-              <a:t>29/03/2020</a:t>
+              <a:t>31/03/2020</a:t>
             </a:fld>
             <a:endParaRPr lang="fr-FR"/>
           </a:p>
@@ -1957,7 +1957,7 @@
           <a:p>
             <a:fld id="{A9D8FF9A-B495-4C1D-BB5F-1FB9EE86129C}" type="datetimeFigureOut">
               <a:rPr lang="fr-FR" smtClean="0"/>
-              <a:t>29/03/2020</a:t>
+              <a:t>31/03/2020</a:t>
             </a:fld>
             <a:endParaRPr lang="fr-FR"/>
           </a:p>
@@ -2070,7 +2070,7 @@
           <a:p>
             <a:fld id="{A9D8FF9A-B495-4C1D-BB5F-1FB9EE86129C}" type="datetimeFigureOut">
               <a:rPr lang="fr-FR" smtClean="0"/>
-              <a:t>29/03/2020</a:t>
+              <a:t>31/03/2020</a:t>
             </a:fld>
             <a:endParaRPr lang="fr-FR"/>
           </a:p>
@@ -2381,7 +2381,7 @@
           <a:p>
             <a:fld id="{A9D8FF9A-B495-4C1D-BB5F-1FB9EE86129C}" type="datetimeFigureOut">
               <a:rPr lang="fr-FR" smtClean="0"/>
-              <a:t>29/03/2020</a:t>
+              <a:t>31/03/2020</a:t>
             </a:fld>
             <a:endParaRPr lang="fr-FR"/>
           </a:p>
@@ -2669,7 +2669,7 @@
           <a:p>
             <a:fld id="{A9D8FF9A-B495-4C1D-BB5F-1FB9EE86129C}" type="datetimeFigureOut">
               <a:rPr lang="fr-FR" smtClean="0"/>
-              <a:t>29/03/2020</a:t>
+              <a:t>31/03/2020</a:t>
             </a:fld>
             <a:endParaRPr lang="fr-FR"/>
           </a:p>
@@ -2910,7 +2910,7 @@
           <a:p>
             <a:fld id="{A9D8FF9A-B495-4C1D-BB5F-1FB9EE86129C}" type="datetimeFigureOut">
               <a:rPr lang="fr-FR" smtClean="0"/>
-              <a:t>29/03/2020</a:t>
+              <a:t>31/03/2020</a:t>
             </a:fld>
             <a:endParaRPr lang="fr-FR"/>
           </a:p>
@@ -3341,8 +3341,8 @@
         </p:nvSpPr>
         <p:spPr>
           <a:xfrm>
-            <a:off x="10000408" y="74018"/>
-            <a:ext cx="1879232" cy="2308324"/>
+            <a:off x="10220917" y="74018"/>
+            <a:ext cx="1438214" cy="2308324"/>
           </a:xfrm>
           <a:prstGeom prst="rect">
             <a:avLst/>
@@ -3370,7 +3370,7 @@
             <a:pPr algn="ctr"/>
             <a:r>
               <a:rPr lang="fr-FR" u="sng" dirty="0" err="1"/>
-              <a:t>NumUser</a:t>
+              <a:t>numUser</a:t>
             </a:r>
             <a:endParaRPr lang="fr-FR" u="sng" dirty="0"/>
           </a:p>
@@ -3378,42 +3378,43 @@
             <a:pPr algn="ctr"/>
             <a:r>
               <a:rPr lang="fr-FR" dirty="0"/>
-              <a:t>Nom</a:t>
+              <a:t>nom</a:t>
             </a:r>
           </a:p>
           <a:p>
             <a:pPr algn="ctr"/>
             <a:r>
               <a:rPr lang="fr-FR" dirty="0"/>
-              <a:t>Prénom</a:t>
+              <a:t>prénom</a:t>
             </a:r>
           </a:p>
           <a:p>
             <a:pPr algn="ctr"/>
             <a:r>
               <a:rPr lang="fr-FR" dirty="0"/>
-              <a:t>Email</a:t>
+              <a:t>email</a:t>
             </a:r>
           </a:p>
           <a:p>
             <a:pPr algn="ctr"/>
             <a:r>
               <a:rPr lang="fr-FR" dirty="0"/>
-              <a:t>Mot de passe</a:t>
-            </a:r>
+              <a:t>photo</a:t>
+            </a:r>
+          </a:p>
+          <a:p>
+            <a:pPr algn="ctr"/>
+            <a:r>
+              <a:rPr lang="fr-FR" dirty="0" err="1"/>
+              <a:t>thumbnail</a:t>
+            </a:r>
+            <a:endParaRPr lang="fr-FR" dirty="0"/>
           </a:p>
           <a:p>
             <a:pPr algn="ctr"/>
             <a:r>
               <a:rPr lang="fr-FR" dirty="0"/>
-              <a:t>Date de naissance</a:t>
-            </a:r>
-          </a:p>
-          <a:p>
-            <a:pPr algn="ctr"/>
-            <a:r>
-              <a:rPr lang="fr-FR" dirty="0"/>
-              <a:t>Genre</a:t>
+              <a:t>mot de passe</a:t>
             </a:r>
           </a:p>
         </p:txBody>
@@ -3433,7 +3434,7 @@
         <p:spPr>
           <a:xfrm>
             <a:off x="3701198" y="3663440"/>
-            <a:ext cx="1347869" cy="923330"/>
+            <a:ext cx="1347869" cy="1477328"/>
           </a:xfrm>
           <a:prstGeom prst="rect">
             <a:avLst/>
@@ -3461,7 +3462,7 @@
             <a:pPr algn="ctr"/>
             <a:r>
               <a:rPr lang="fr-FR" u="sng" dirty="0" err="1"/>
-              <a:t>NumEvent</a:t>
+              <a:t>numEvent</a:t>
             </a:r>
             <a:endParaRPr lang="fr-FR" u="sng" dirty="0"/>
           </a:p>
@@ -3469,8 +3470,23 @@
             <a:pPr algn="ctr"/>
             <a:r>
               <a:rPr lang="fr-FR" dirty="0"/>
-              <a:t>Nom</a:t>
-            </a:r>
+              <a:t>Titre</a:t>
+            </a:r>
+          </a:p>
+          <a:p>
+            <a:pPr algn="ctr"/>
+            <a:r>
+              <a:rPr lang="fr-FR" dirty="0"/>
+              <a:t>Lieu</a:t>
+            </a:r>
+          </a:p>
+          <a:p>
+            <a:pPr algn="ctr"/>
+            <a:r>
+              <a:rPr lang="fr-FR" dirty="0" err="1"/>
+              <a:t>descri</a:t>
+            </a:r>
+            <a:endParaRPr lang="fr-FR" dirty="0"/>
           </a:p>
         </p:txBody>
       </p:sp>
@@ -3488,8 +3504,8 @@
         </p:nvSpPr>
         <p:spPr>
           <a:xfrm>
-            <a:off x="10284777" y="5500855"/>
-            <a:ext cx="1343125" cy="923330"/>
+            <a:off x="10298403" y="5500855"/>
+            <a:ext cx="1315874" cy="923330"/>
           </a:xfrm>
           <a:prstGeom prst="rect">
             <a:avLst/>
@@ -3517,7 +3533,7 @@
             <a:pPr algn="ctr"/>
             <a:r>
               <a:rPr lang="fr-FR" u="sng" dirty="0" err="1"/>
-              <a:t>NumGroupe</a:t>
+              <a:t>numGroupe</a:t>
             </a:r>
             <a:endParaRPr lang="fr-FR" u="sng" dirty="0"/>
           </a:p>
@@ -3544,8 +3560,8 @@
         </p:nvSpPr>
         <p:spPr>
           <a:xfrm>
-            <a:off x="934287" y="5358891"/>
-            <a:ext cx="1269386" cy="1200329"/>
+            <a:off x="844212" y="5632397"/>
+            <a:ext cx="1269385" cy="923330"/>
           </a:xfrm>
           <a:prstGeom prst="rect">
             <a:avLst/>
@@ -3573,23 +3589,17 @@
             <a:pPr algn="ctr"/>
             <a:r>
               <a:rPr lang="fr-FR" u="sng" dirty="0" err="1"/>
-              <a:t>NumDoc</a:t>
+              <a:t>nomDoc</a:t>
             </a:r>
             <a:endParaRPr lang="fr-FR" u="sng" dirty="0"/>
           </a:p>
           <a:p>
             <a:pPr algn="ctr"/>
             <a:r>
-              <a:rPr lang="fr-FR" dirty="0"/>
-              <a:t>Nom</a:t>
-            </a:r>
-          </a:p>
-          <a:p>
-            <a:pPr algn="ctr"/>
-            <a:r>
-              <a:rPr lang="fr-FR" dirty="0"/>
-              <a:t>Type?</a:t>
-            </a:r>
+              <a:rPr lang="fr-FR" u="sng" dirty="0" err="1"/>
+              <a:t>numEvent</a:t>
+            </a:r>
+            <a:endParaRPr lang="fr-FR" u="sng" dirty="0"/>
           </a:p>
         </p:txBody>
       </p:sp>
@@ -3607,8 +3617,8 @@
         </p:nvSpPr>
         <p:spPr>
           <a:xfrm>
-            <a:off x="10386744" y="3948543"/>
-            <a:ext cx="1220592" cy="646331"/>
+            <a:off x="10345035" y="3948543"/>
+            <a:ext cx="1304011" cy="646331"/>
           </a:xfrm>
           <a:prstGeom prst="rect">
             <a:avLst/>
@@ -3635,7 +3645,7 @@
             <a:pPr algn="ctr"/>
             <a:r>
               <a:rPr lang="fr-FR" dirty="0"/>
-              <a:t>Statut</a:t>
+              <a:t>propriétaire</a:t>
             </a:r>
           </a:p>
         </p:txBody>
@@ -3921,7 +3931,7 @@
         <p:spPr>
           <a:xfrm>
             <a:off x="1597244" y="2229224"/>
-            <a:ext cx="2103954" cy="1895881"/>
+            <a:ext cx="2103954" cy="2172880"/>
           </a:xfrm>
           <a:prstGeom prst="line">
             <a:avLst/>
@@ -4000,8 +4010,8 @@
         </p:nvCxnSpPr>
         <p:spPr>
           <a:xfrm>
-            <a:off x="4375133" y="4586770"/>
-            <a:ext cx="0" cy="1014395"/>
+            <a:off x="4375133" y="5140768"/>
+            <a:ext cx="0" cy="460397"/>
           </a:xfrm>
           <a:prstGeom prst="line">
             <a:avLst/>
@@ -4039,9 +4049,9 @@
           <p:nvPr/>
         </p:nvCxnSpPr>
         <p:spPr>
-          <a:xfrm>
-            <a:off x="2203673" y="5959056"/>
-            <a:ext cx="1165155" cy="217"/>
+          <a:xfrm flipV="1">
+            <a:off x="2113597" y="5959273"/>
+            <a:ext cx="1255231" cy="134789"/>
           </a:xfrm>
           <a:prstGeom prst="line">
             <a:avLst/>
@@ -4191,7 +4201,7 @@
         </p:nvSpPr>
         <p:spPr>
           <a:xfrm>
-            <a:off x="3233180" y="4135702"/>
+            <a:off x="3209521" y="4344946"/>
             <a:ext cx="476412" cy="369332"/>
           </a:xfrm>
           <a:prstGeom prst="rect">
@@ -4242,7 +4252,7 @@
           <a:p>
             <a:r>
               <a:rPr lang="fr-FR" dirty="0"/>
-              <a:t>0,N</a:t>
+              <a:t>0,1</a:t>
             </a:r>
           </a:p>
         </p:txBody>
@@ -4261,7 +4271,7 @@
         </p:nvSpPr>
         <p:spPr>
           <a:xfrm>
-            <a:off x="3955275" y="4582966"/>
+            <a:off x="3908275" y="5106277"/>
             <a:ext cx="508473" cy="369332"/>
           </a:xfrm>
           <a:prstGeom prst="rect">
@@ -4583,7 +4593,7 @@
             <a:pPr algn="ctr"/>
             <a:r>
               <a:rPr lang="fr-FR" dirty="0"/>
-              <a:t>Statut</a:t>
+              <a:t>statut</a:t>
             </a:r>
           </a:p>
           <a:p>
@@ -4598,7 +4608,7 @@
             <a:pPr algn="ctr"/>
             <a:r>
               <a:rPr lang="fr-FR" dirty="0"/>
-              <a:t>Participation</a:t>
+              <a:t>participation</a:t>
             </a:r>
           </a:p>
           <a:p>
@@ -4883,7 +4893,7 @@
         <p:spPr>
           <a:xfrm flipV="1">
             <a:off x="8911135" y="1228180"/>
-            <a:ext cx="1089273" cy="3282694"/>
+            <a:ext cx="1309782" cy="3282694"/>
           </a:xfrm>
           <a:prstGeom prst="line">
             <a:avLst/>
@@ -4961,8 +4971,8 @@
         </p:nvCxnSpPr>
         <p:spPr>
           <a:xfrm flipH="1" flipV="1">
-            <a:off x="5049067" y="4125105"/>
-            <a:ext cx="952684" cy="864768"/>
+            <a:off x="5049067" y="4402104"/>
+            <a:ext cx="952684" cy="587769"/>
           </a:xfrm>
           <a:prstGeom prst="line">
             <a:avLst/>
@@ -5604,7 +5614,7 @@
         <p:spPr>
           <a:xfrm flipV="1">
             <a:off x="8087629" y="5962520"/>
-            <a:ext cx="2197148" cy="137990"/>
+            <a:ext cx="2210774" cy="137990"/>
           </a:xfrm>
           <a:prstGeom prst="line">
             <a:avLst/>
@@ -5642,8 +5652,8 @@
         </p:nvCxnSpPr>
         <p:spPr>
           <a:xfrm>
-            <a:off x="5049067" y="4576543"/>
-            <a:ext cx="1612047" cy="1532910"/>
+            <a:off x="5046697" y="5148459"/>
+            <a:ext cx="1614417" cy="960994"/>
           </a:xfrm>
           <a:prstGeom prst="line">
             <a:avLst/>
@@ -5678,7 +5688,7 @@
         </p:nvSpPr>
         <p:spPr>
           <a:xfrm>
-            <a:off x="4684622" y="4578805"/>
+            <a:off x="5059707" y="4873966"/>
             <a:ext cx="508473" cy="369332"/>
           </a:xfrm>
           <a:prstGeom prst="rect">
